--- a/10|2-6/2023-10-5/kanji-writing.pptx
+++ b/10|2-6/2023-10-5/kanji-writing.pptx
@@ -1677,6 +1677,42 @@
         </p:nvSpPr>
         <p:spPr>
           <a:xfrm>
+            <a:off x="0" y="548640"/>
+            <a:ext cx="9144000" cy="1828800"/>
+          </a:xfrm>
+          <a:prstGeom prst="rect">
+            <a:avLst/>
+          </a:prstGeom>
+          <a:noFill/>
+          <a:ln/>
+        </p:spPr>
+        <p:txBody>
+          <a:bodyPr wrap="square" rtlCol="0" anchor="ctr"/>
+          <a:lstStyle/>
+          <a:p>
+            <a:pPr algn="ctr" indent="0" marL="0">
+              <a:buNone/>
+            </a:pPr>
+            <a:r>
+              <a:rPr lang="en-US" sz="4800" dirty="0">
+                <a:solidFill>
+                  <a:srgbClr val="000000"/>
+                </a:solidFill>
+              </a:rPr>
+              <a:t>幅広い</a:t>
+            </a:r>
+            <a:endParaRPr lang="en-US" sz="4800" dirty="0"/>
+          </a:p>
+        </p:txBody>
+      </p:sp>
+      <p:sp>
+        <p:nvSpPr>
+          <p:cNvPr id="3" name="Text 1"/>
+          <p:cNvSpPr/>
+          <p:nvPr/>
+        </p:nvSpPr>
+        <p:spPr>
+          <a:xfrm>
             <a:off x="0" y="914400"/>
             <a:ext cx="9144000" cy="1828800"/>
           </a:xfrm>
@@ -1693,35 +1729,33 @@
             <a:pPr algn="ctr" indent="0" marL="0">
               <a:buNone/>
             </a:pPr>
-            <a:r>
-              <a:rPr lang="en-US" sz="4800" dirty="0">
-                <a:solidFill>
-                  <a:srgbClr val="000000"/>
-                </a:solidFill>
-              </a:rPr>
-              <a:t>幅広い</a:t>
-            </a:r>
-            <a:endParaRPr lang="en-US" sz="4800" dirty="0"/>
-          </a:p>
-          <a:p>
-            <a:pPr algn="ctr" indent="0" marL="0">
-              <a:buNone/>
-            </a:pPr>
-            <a:r>
-              <a:rPr lang="en-US" sz="4800" dirty="0">
-                <a:solidFill>
-                  <a:srgbClr val="000000"/>
+            <a:endParaRPr lang="en-US" sz="3600" dirty="0"/>
+          </a:p>
+          <a:p>
+            <a:pPr algn="ctr" indent="0" marL="0">
+              <a:buNone/>
+            </a:pPr>
+            <a:endParaRPr lang="en-US" sz="3600" dirty="0"/>
+          </a:p>
+          <a:p>
+            <a:pPr algn="ctr" indent="0" marL="0">
+              <a:buNone/>
+            </a:pPr>
+            <a:r>
+              <a:rPr lang="en-US" sz="3600" dirty="0">
+                <a:solidFill>
+                  <a:srgbClr val="404040"/>
                 </a:solidFill>
               </a:rPr>
               <a:t>はばひろい</a:t>
             </a:r>
-            <a:endParaRPr lang="en-US" sz="4800" dirty="0"/>
-          </a:p>
-        </p:txBody>
-      </p:sp>
-      <p:sp>
-        <p:nvSpPr>
-          <p:cNvPr id="3" name="Text 1"/>
+            <a:endParaRPr lang="en-US" sz="3600" dirty="0"/>
+          </a:p>
+        </p:txBody>
+      </p:sp>
+      <p:sp>
+        <p:nvSpPr>
+          <p:cNvPr id="4" name="Text 2"/>
           <p:cNvSpPr/>
           <p:nvPr/>
         </p:nvSpPr>
@@ -1746,7 +1780,7 @@
             <a:r>
               <a:rPr lang="en-US" sz="3600" dirty="0">
                 <a:solidFill>
-                  <a:srgbClr val="000000"/>
+                  <a:srgbClr val="808080"/>
                 </a:solidFill>
               </a:rPr>
               <a:t>extensive, wide, broad...</a:t>
@@ -1757,32 +1791,32 @@
       </p:sp>
       <p:sp>
         <p:nvSpPr>
-          <p:cNvPr id="4" name="Text 2"/>
-          <p:cNvSpPr/>
-          <p:nvPr/>
-        </p:nvSpPr>
-        <p:spPr>
-          <a:xfrm>
-            <a:off x="0" y="4572000"/>
-            <a:ext cx="7315200" cy="1828800"/>
-          </a:xfrm>
-          <a:prstGeom prst="rect">
-            <a:avLst/>
-          </a:prstGeom>
-          <a:noFill/>
-          <a:ln/>
-        </p:spPr>
-        <p:txBody>
-          <a:bodyPr wrap="square" rtlCol="0" anchor="ctr"/>
-          <a:lstStyle/>
-          <a:p>
-            <a:pPr algn="l" indent="0" marL="0">
+          <p:cNvPr id="5" name="Text 3"/>
+          <p:cNvSpPr/>
+          <p:nvPr/>
+        </p:nvSpPr>
+        <p:spPr>
+          <a:xfrm>
+            <a:off x="0" y="3657600"/>
+            <a:ext cx="8686800" cy="1828800"/>
+          </a:xfrm>
+          <a:prstGeom prst="rect">
+            <a:avLst/>
+          </a:prstGeom>
+          <a:noFill/>
+          <a:ln/>
+        </p:spPr>
+        <p:txBody>
+          <a:bodyPr wrap="square" rtlCol="0" anchor="ctr"/>
+          <a:lstStyle/>
+          <a:p>
+            <a:pPr algn="r" indent="0" marL="0">
               <a:buNone/>
             </a:pPr>
             <a:r>
               <a:rPr lang="en-US" sz="2400" dirty="0">
                 <a:solidFill>
-                  <a:srgbClr val="000000"/>
+                  <a:srgbClr val="808080"/>
                 </a:solidFill>
               </a:rPr>
               <a:t>65-66</a:t>
@@ -1824,6 +1858,42 @@
         </p:nvSpPr>
         <p:spPr>
           <a:xfrm>
+            <a:off x="0" y="548640"/>
+            <a:ext cx="9144000" cy="1828800"/>
+          </a:xfrm>
+          <a:prstGeom prst="rect">
+            <a:avLst/>
+          </a:prstGeom>
+          <a:noFill/>
+          <a:ln/>
+        </p:spPr>
+        <p:txBody>
+          <a:bodyPr wrap="square" rtlCol="0" anchor="ctr"/>
+          <a:lstStyle/>
+          <a:p>
+            <a:pPr algn="ctr" indent="0" marL="0">
+              <a:buNone/>
+            </a:pPr>
+            <a:r>
+              <a:rPr lang="en-US" sz="4800" dirty="0">
+                <a:solidFill>
+                  <a:srgbClr val="000000"/>
+                </a:solidFill>
+              </a:rPr>
+              <a:t>害虫</a:t>
+            </a:r>
+            <a:endParaRPr lang="en-US" sz="4800" dirty="0"/>
+          </a:p>
+        </p:txBody>
+      </p:sp>
+      <p:sp>
+        <p:nvSpPr>
+          <p:cNvPr id="3" name="Text 1"/>
+          <p:cNvSpPr/>
+          <p:nvPr/>
+        </p:nvSpPr>
+        <p:spPr>
+          <a:xfrm>
             <a:off x="0" y="914400"/>
             <a:ext cx="9144000" cy="1828800"/>
           </a:xfrm>
@@ -1840,35 +1910,33 @@
             <a:pPr algn="ctr" indent="0" marL="0">
               <a:buNone/>
             </a:pPr>
-            <a:r>
-              <a:rPr lang="en-US" sz="4800" dirty="0">
-                <a:solidFill>
-                  <a:srgbClr val="000000"/>
-                </a:solidFill>
-              </a:rPr>
-              <a:t>害虫</a:t>
-            </a:r>
-            <a:endParaRPr lang="en-US" sz="4800" dirty="0"/>
-          </a:p>
-          <a:p>
-            <a:pPr algn="ctr" indent="0" marL="0">
-              <a:buNone/>
-            </a:pPr>
-            <a:r>
-              <a:rPr lang="en-US" sz="4800" dirty="0">
-                <a:solidFill>
-                  <a:srgbClr val="000000"/>
+            <a:endParaRPr lang="en-US" sz="3600" dirty="0"/>
+          </a:p>
+          <a:p>
+            <a:pPr algn="ctr" indent="0" marL="0">
+              <a:buNone/>
+            </a:pPr>
+            <a:endParaRPr lang="en-US" sz="3600" dirty="0"/>
+          </a:p>
+          <a:p>
+            <a:pPr algn="ctr" indent="0" marL="0">
+              <a:buNone/>
+            </a:pPr>
+            <a:r>
+              <a:rPr lang="en-US" sz="3600" dirty="0">
+                <a:solidFill>
+                  <a:srgbClr val="404040"/>
                 </a:solidFill>
               </a:rPr>
               <a:t>がいちゅう</a:t>
             </a:r>
-            <a:endParaRPr lang="en-US" sz="4800" dirty="0"/>
-          </a:p>
-        </p:txBody>
-      </p:sp>
-      <p:sp>
-        <p:nvSpPr>
-          <p:cNvPr id="3" name="Text 1"/>
+            <a:endParaRPr lang="en-US" sz="3600" dirty="0"/>
+          </a:p>
+        </p:txBody>
+      </p:sp>
+      <p:sp>
+        <p:nvSpPr>
+          <p:cNvPr id="4" name="Text 2"/>
           <p:cNvSpPr/>
           <p:nvPr/>
         </p:nvSpPr>
@@ -1893,7 +1961,7 @@
             <a:r>
               <a:rPr lang="en-US" sz="3600" dirty="0">
                 <a:solidFill>
-                  <a:srgbClr val="000000"/>
+                  <a:srgbClr val="808080"/>
                 </a:solidFill>
               </a:rPr>
               <a:t>harmful insect, noxious insect, vermin, pest...</a:t>
@@ -1904,32 +1972,32 @@
       </p:sp>
       <p:sp>
         <p:nvSpPr>
-          <p:cNvPr id="4" name="Text 2"/>
-          <p:cNvSpPr/>
-          <p:nvPr/>
-        </p:nvSpPr>
-        <p:spPr>
-          <a:xfrm>
-            <a:off x="0" y="4572000"/>
-            <a:ext cx="7315200" cy="1828800"/>
-          </a:xfrm>
-          <a:prstGeom prst="rect">
-            <a:avLst/>
-          </a:prstGeom>
-          <a:noFill/>
-          <a:ln/>
-        </p:spPr>
-        <p:txBody>
-          <a:bodyPr wrap="square" rtlCol="0" anchor="ctr"/>
-          <a:lstStyle/>
-          <a:p>
-            <a:pPr algn="l" indent="0" marL="0">
+          <p:cNvPr id="5" name="Text 3"/>
+          <p:cNvSpPr/>
+          <p:nvPr/>
+        </p:nvSpPr>
+        <p:spPr>
+          <a:xfrm>
+            <a:off x="0" y="3657600"/>
+            <a:ext cx="8686800" cy="1828800"/>
+          </a:xfrm>
+          <a:prstGeom prst="rect">
+            <a:avLst/>
+          </a:prstGeom>
+          <a:noFill/>
+          <a:ln/>
+        </p:spPr>
+        <p:txBody>
+          <a:bodyPr wrap="square" rtlCol="0" anchor="ctr"/>
+          <a:lstStyle/>
+          <a:p>
+            <a:pPr algn="r" indent="0" marL="0">
               <a:buNone/>
             </a:pPr>
             <a:r>
               <a:rPr lang="en-US" sz="2400" dirty="0">
                 <a:solidFill>
-                  <a:srgbClr val="000000"/>
+                  <a:srgbClr val="808080"/>
                 </a:solidFill>
               </a:rPr>
               <a:t>65-66</a:t>
@@ -1971,6 +2039,42 @@
         </p:nvSpPr>
         <p:spPr>
           <a:xfrm>
+            <a:off x="0" y="548640"/>
+            <a:ext cx="9144000" cy="1828800"/>
+          </a:xfrm>
+          <a:prstGeom prst="rect">
+            <a:avLst/>
+          </a:prstGeom>
+          <a:noFill/>
+          <a:ln/>
+        </p:spPr>
+        <p:txBody>
+          <a:bodyPr wrap="square" rtlCol="0" anchor="ctr"/>
+          <a:lstStyle/>
+          <a:p>
+            <a:pPr algn="ctr" indent="0" marL="0">
+              <a:buNone/>
+            </a:pPr>
+            <a:r>
+              <a:rPr lang="en-US" sz="4800" dirty="0">
+                <a:solidFill>
+                  <a:srgbClr val="000000"/>
+                </a:solidFill>
+              </a:rPr>
+              <a:t>増幅</a:t>
+            </a:r>
+            <a:endParaRPr lang="en-US" sz="4800" dirty="0"/>
+          </a:p>
+        </p:txBody>
+      </p:sp>
+      <p:sp>
+        <p:nvSpPr>
+          <p:cNvPr id="3" name="Text 1"/>
+          <p:cNvSpPr/>
+          <p:nvPr/>
+        </p:nvSpPr>
+        <p:spPr>
+          <a:xfrm>
             <a:off x="0" y="914400"/>
             <a:ext cx="9144000" cy="1828800"/>
           </a:xfrm>
@@ -1987,35 +2091,33 @@
             <a:pPr algn="ctr" indent="0" marL="0">
               <a:buNone/>
             </a:pPr>
-            <a:r>
-              <a:rPr lang="en-US" sz="4800" dirty="0">
-                <a:solidFill>
-                  <a:srgbClr val="000000"/>
-                </a:solidFill>
-              </a:rPr>
-              <a:t>増幅</a:t>
-            </a:r>
-            <a:endParaRPr lang="en-US" sz="4800" dirty="0"/>
-          </a:p>
-          <a:p>
-            <a:pPr algn="ctr" indent="0" marL="0">
-              <a:buNone/>
-            </a:pPr>
-            <a:r>
-              <a:rPr lang="en-US" sz="4800" dirty="0">
-                <a:solidFill>
-                  <a:srgbClr val="000000"/>
+            <a:endParaRPr lang="en-US" sz="3600" dirty="0"/>
+          </a:p>
+          <a:p>
+            <a:pPr algn="ctr" indent="0" marL="0">
+              <a:buNone/>
+            </a:pPr>
+            <a:endParaRPr lang="en-US" sz="3600" dirty="0"/>
+          </a:p>
+          <a:p>
+            <a:pPr algn="ctr" indent="0" marL="0">
+              <a:buNone/>
+            </a:pPr>
+            <a:r>
+              <a:rPr lang="en-US" sz="3600" dirty="0">
+                <a:solidFill>
+                  <a:srgbClr val="404040"/>
                 </a:solidFill>
               </a:rPr>
               <a:t>ぞうふく</a:t>
             </a:r>
-            <a:endParaRPr lang="en-US" sz="4800" dirty="0"/>
-          </a:p>
-        </p:txBody>
-      </p:sp>
-      <p:sp>
-        <p:nvSpPr>
-          <p:cNvPr id="3" name="Text 1"/>
+            <a:endParaRPr lang="en-US" sz="3600" dirty="0"/>
+          </a:p>
+        </p:txBody>
+      </p:sp>
+      <p:sp>
+        <p:nvSpPr>
+          <p:cNvPr id="4" name="Text 2"/>
           <p:cNvSpPr/>
           <p:nvPr/>
         </p:nvSpPr>
@@ -2040,7 +2142,7 @@
             <a:r>
               <a:rPr lang="en-US" sz="3600" dirty="0">
                 <a:solidFill>
-                  <a:srgbClr val="000000"/>
+                  <a:srgbClr val="808080"/>
                 </a:solidFill>
               </a:rPr>
               <a:t>amplification (elec.) | magnification, amplification, making larger...</a:t>
@@ -2051,32 +2153,32 @@
       </p:sp>
       <p:sp>
         <p:nvSpPr>
-          <p:cNvPr id="4" name="Text 2"/>
-          <p:cNvSpPr/>
-          <p:nvPr/>
-        </p:nvSpPr>
-        <p:spPr>
-          <a:xfrm>
-            <a:off x="0" y="4572000"/>
-            <a:ext cx="7315200" cy="1828800"/>
-          </a:xfrm>
-          <a:prstGeom prst="rect">
-            <a:avLst/>
-          </a:prstGeom>
-          <a:noFill/>
-          <a:ln/>
-        </p:spPr>
-        <p:txBody>
-          <a:bodyPr wrap="square" rtlCol="0" anchor="ctr"/>
-          <a:lstStyle/>
-          <a:p>
-            <a:pPr algn="l" indent="0" marL="0">
+          <p:cNvPr id="5" name="Text 3"/>
+          <p:cNvSpPr/>
+          <p:nvPr/>
+        </p:nvSpPr>
+        <p:spPr>
+          <a:xfrm>
+            <a:off x="0" y="3657600"/>
+            <a:ext cx="8686800" cy="1828800"/>
+          </a:xfrm>
+          <a:prstGeom prst="rect">
+            <a:avLst/>
+          </a:prstGeom>
+          <a:noFill/>
+          <a:ln/>
+        </p:spPr>
+        <p:txBody>
+          <a:bodyPr wrap="square" rtlCol="0" anchor="ctr"/>
+          <a:lstStyle/>
+          <a:p>
+            <a:pPr algn="r" indent="0" marL="0">
               <a:buNone/>
             </a:pPr>
             <a:r>
               <a:rPr lang="en-US" sz="2400" dirty="0">
                 <a:solidFill>
-                  <a:srgbClr val="000000"/>
+                  <a:srgbClr val="808080"/>
                 </a:solidFill>
               </a:rPr>
               <a:t>65-66</a:t>
@@ -2118,6 +2220,42 @@
         </p:nvSpPr>
         <p:spPr>
           <a:xfrm>
+            <a:off x="0" y="548640"/>
+            <a:ext cx="9144000" cy="1828800"/>
+          </a:xfrm>
+          <a:prstGeom prst="rect">
+            <a:avLst/>
+          </a:prstGeom>
+          <a:noFill/>
+          <a:ln/>
+        </p:spPr>
+        <p:txBody>
+          <a:bodyPr wrap="square" rtlCol="0" anchor="ctr"/>
+          <a:lstStyle/>
+          <a:p>
+            <a:pPr algn="ctr" indent="0" marL="0">
+              <a:buNone/>
+            </a:pPr>
+            <a:r>
+              <a:rPr lang="en-US" sz="4800" dirty="0">
+                <a:solidFill>
+                  <a:srgbClr val="000000"/>
+                </a:solidFill>
+              </a:rPr>
+              <a:t>支える</a:t>
+            </a:r>
+            <a:endParaRPr lang="en-US" sz="4800" dirty="0"/>
+          </a:p>
+        </p:txBody>
+      </p:sp>
+      <p:sp>
+        <p:nvSpPr>
+          <p:cNvPr id="3" name="Text 1"/>
+          <p:cNvSpPr/>
+          <p:nvPr/>
+        </p:nvSpPr>
+        <p:spPr>
+          <a:xfrm>
             <a:off x="0" y="914400"/>
             <a:ext cx="9144000" cy="1828800"/>
           </a:xfrm>
@@ -2134,35 +2272,33 @@
             <a:pPr algn="ctr" indent="0" marL="0">
               <a:buNone/>
             </a:pPr>
-            <a:r>
-              <a:rPr lang="en-US" sz="4800" dirty="0">
-                <a:solidFill>
-                  <a:srgbClr val="000000"/>
-                </a:solidFill>
-              </a:rPr>
-              <a:t>支える</a:t>
-            </a:r>
-            <a:endParaRPr lang="en-US" sz="4800" dirty="0"/>
-          </a:p>
-          <a:p>
-            <a:pPr algn="ctr" indent="0" marL="0">
-              <a:buNone/>
-            </a:pPr>
-            <a:r>
-              <a:rPr lang="en-US" sz="4800" dirty="0">
-                <a:solidFill>
-                  <a:srgbClr val="000000"/>
+            <a:endParaRPr lang="en-US" sz="3600" dirty="0"/>
+          </a:p>
+          <a:p>
+            <a:pPr algn="ctr" indent="0" marL="0">
+              <a:buNone/>
+            </a:pPr>
+            <a:endParaRPr lang="en-US" sz="3600" dirty="0"/>
+          </a:p>
+          <a:p>
+            <a:pPr algn="ctr" indent="0" marL="0">
+              <a:buNone/>
+            </a:pPr>
+            <a:r>
+              <a:rPr lang="en-US" sz="3600" dirty="0">
+                <a:solidFill>
+                  <a:srgbClr val="404040"/>
                 </a:solidFill>
               </a:rPr>
               <a:t>ささえる</a:t>
             </a:r>
-            <a:endParaRPr lang="en-US" sz="4800" dirty="0"/>
-          </a:p>
-        </p:txBody>
-      </p:sp>
-      <p:sp>
-        <p:nvSpPr>
-          <p:cNvPr id="3" name="Text 1"/>
+            <a:endParaRPr lang="en-US" sz="3600" dirty="0"/>
+          </a:p>
+        </p:txBody>
+      </p:sp>
+      <p:sp>
+        <p:nvSpPr>
+          <p:cNvPr id="4" name="Text 2"/>
           <p:cNvSpPr/>
           <p:nvPr/>
         </p:nvSpPr>
@@ -2187,7 +2323,7 @@
             <a:r>
               <a:rPr lang="en-US" sz="3600" dirty="0">
                 <a:solidFill>
-                  <a:srgbClr val="000000"/>
+                  <a:srgbClr val="808080"/>
                 </a:solidFill>
               </a:rPr>
               <a:t>to support, to prop, to sustain, to underlay, to hold up, to defend | to hold at bay, to stem, to check...</a:t>
@@ -2198,32 +2334,32 @@
       </p:sp>
       <p:sp>
         <p:nvSpPr>
-          <p:cNvPr id="4" name="Text 2"/>
-          <p:cNvSpPr/>
-          <p:nvPr/>
-        </p:nvSpPr>
-        <p:spPr>
-          <a:xfrm>
-            <a:off x="0" y="4572000"/>
-            <a:ext cx="7315200" cy="1828800"/>
-          </a:xfrm>
-          <a:prstGeom prst="rect">
-            <a:avLst/>
-          </a:prstGeom>
-          <a:noFill/>
-          <a:ln/>
-        </p:spPr>
-        <p:txBody>
-          <a:bodyPr wrap="square" rtlCol="0" anchor="ctr"/>
-          <a:lstStyle/>
-          <a:p>
-            <a:pPr algn="l" indent="0" marL="0">
+          <p:cNvPr id="5" name="Text 3"/>
+          <p:cNvSpPr/>
+          <p:nvPr/>
+        </p:nvSpPr>
+        <p:spPr>
+          <a:xfrm>
+            <a:off x="0" y="3657600"/>
+            <a:ext cx="8686800" cy="1828800"/>
+          </a:xfrm>
+          <a:prstGeom prst="rect">
+            <a:avLst/>
+          </a:prstGeom>
+          <a:noFill/>
+          <a:ln/>
+        </p:spPr>
+        <p:txBody>
+          <a:bodyPr wrap="square" rtlCol="0" anchor="ctr"/>
+          <a:lstStyle/>
+          <a:p>
+            <a:pPr algn="r" indent="0" marL="0">
               <a:buNone/>
             </a:pPr>
             <a:r>
               <a:rPr lang="en-US" sz="2400" dirty="0">
                 <a:solidFill>
-                  <a:srgbClr val="000000"/>
+                  <a:srgbClr val="808080"/>
                 </a:solidFill>
               </a:rPr>
               <a:t>65-66</a:t>
@@ -2265,6 +2401,42 @@
         </p:nvSpPr>
         <p:spPr>
           <a:xfrm>
+            <a:off x="0" y="548640"/>
+            <a:ext cx="9144000" cy="1828800"/>
+          </a:xfrm>
+          <a:prstGeom prst="rect">
+            <a:avLst/>
+          </a:prstGeom>
+          <a:noFill/>
+          <a:ln/>
+        </p:spPr>
+        <p:txBody>
+          <a:bodyPr wrap="square" rtlCol="0" anchor="ctr"/>
+          <a:lstStyle/>
+          <a:p>
+            <a:pPr algn="ctr" indent="0" marL="0">
+              <a:buNone/>
+            </a:pPr>
+            <a:r>
+              <a:rPr lang="en-US" sz="4800" dirty="0">
+                <a:solidFill>
+                  <a:srgbClr val="000000"/>
+                </a:solidFill>
+              </a:rPr>
+              <a:t>支持</a:t>
+            </a:r>
+            <a:endParaRPr lang="en-US" sz="4800" dirty="0"/>
+          </a:p>
+        </p:txBody>
+      </p:sp>
+      <p:sp>
+        <p:nvSpPr>
+          <p:cNvPr id="3" name="Text 1"/>
+          <p:cNvSpPr/>
+          <p:nvPr/>
+        </p:nvSpPr>
+        <p:spPr>
+          <a:xfrm>
             <a:off x="0" y="914400"/>
             <a:ext cx="9144000" cy="1828800"/>
           </a:xfrm>
@@ -2281,35 +2453,33 @@
             <a:pPr algn="ctr" indent="0" marL="0">
               <a:buNone/>
             </a:pPr>
-            <a:r>
-              <a:rPr lang="en-US" sz="4800" dirty="0">
-                <a:solidFill>
-                  <a:srgbClr val="000000"/>
-                </a:solidFill>
-              </a:rPr>
-              <a:t>支持</a:t>
-            </a:r>
-            <a:endParaRPr lang="en-US" sz="4800" dirty="0"/>
-          </a:p>
-          <a:p>
-            <a:pPr algn="ctr" indent="0" marL="0">
-              <a:buNone/>
-            </a:pPr>
-            <a:r>
-              <a:rPr lang="en-US" sz="4800" dirty="0">
-                <a:solidFill>
-                  <a:srgbClr val="000000"/>
+            <a:endParaRPr lang="en-US" sz="3600" dirty="0"/>
+          </a:p>
+          <a:p>
+            <a:pPr algn="ctr" indent="0" marL="0">
+              <a:buNone/>
+            </a:pPr>
+            <a:endParaRPr lang="en-US" sz="3600" dirty="0"/>
+          </a:p>
+          <a:p>
+            <a:pPr algn="ctr" indent="0" marL="0">
+              <a:buNone/>
+            </a:pPr>
+            <a:r>
+              <a:rPr lang="en-US" sz="3600" dirty="0">
+                <a:solidFill>
+                  <a:srgbClr val="404040"/>
                 </a:solidFill>
               </a:rPr>
               <a:t>しじ</a:t>
             </a:r>
-            <a:endParaRPr lang="en-US" sz="4800" dirty="0"/>
-          </a:p>
-        </p:txBody>
-      </p:sp>
-      <p:sp>
-        <p:nvSpPr>
-          <p:cNvPr id="3" name="Text 1"/>
+            <a:endParaRPr lang="en-US" sz="3600" dirty="0"/>
+          </a:p>
+        </p:txBody>
+      </p:sp>
+      <p:sp>
+        <p:nvSpPr>
+          <p:cNvPr id="4" name="Text 2"/>
           <p:cNvSpPr/>
           <p:nvPr/>
         </p:nvSpPr>
@@ -2334,7 +2504,7 @@
             <a:r>
               <a:rPr lang="en-US" sz="3600" dirty="0">
                 <a:solidFill>
-                  <a:srgbClr val="000000"/>
+                  <a:srgbClr val="808080"/>
                 </a:solidFill>
               </a:rPr>
               <a:t>support, backing, endorsement, approval | propping up, holding up, support...</a:t>
@@ -2345,32 +2515,32 @@
       </p:sp>
       <p:sp>
         <p:nvSpPr>
-          <p:cNvPr id="4" name="Text 2"/>
-          <p:cNvSpPr/>
-          <p:nvPr/>
-        </p:nvSpPr>
-        <p:spPr>
-          <a:xfrm>
-            <a:off x="0" y="4572000"/>
-            <a:ext cx="7315200" cy="1828800"/>
-          </a:xfrm>
-          <a:prstGeom prst="rect">
-            <a:avLst/>
-          </a:prstGeom>
-          <a:noFill/>
-          <a:ln/>
-        </p:spPr>
-        <p:txBody>
-          <a:bodyPr wrap="square" rtlCol="0" anchor="ctr"/>
-          <a:lstStyle/>
-          <a:p>
-            <a:pPr algn="l" indent="0" marL="0">
+          <p:cNvPr id="5" name="Text 3"/>
+          <p:cNvSpPr/>
+          <p:nvPr/>
+        </p:nvSpPr>
+        <p:spPr>
+          <a:xfrm>
+            <a:off x="0" y="3657600"/>
+            <a:ext cx="8686800" cy="1828800"/>
+          </a:xfrm>
+          <a:prstGeom prst="rect">
+            <a:avLst/>
+          </a:prstGeom>
+          <a:noFill/>
+          <a:ln/>
+        </p:spPr>
+        <p:txBody>
+          <a:bodyPr wrap="square" rtlCol="0" anchor="ctr"/>
+          <a:lstStyle/>
+          <a:p>
+            <a:pPr algn="r" indent="0" marL="0">
               <a:buNone/>
             </a:pPr>
             <a:r>
               <a:rPr lang="en-US" sz="2400" dirty="0">
                 <a:solidFill>
-                  <a:srgbClr val="000000"/>
+                  <a:srgbClr val="808080"/>
                 </a:solidFill>
               </a:rPr>
               <a:t>65-66</a:t>
@@ -2412,6 +2582,42 @@
         </p:nvSpPr>
         <p:spPr>
           <a:xfrm>
+            <a:off x="0" y="548640"/>
+            <a:ext cx="9144000" cy="1828800"/>
+          </a:xfrm>
+          <a:prstGeom prst="rect">
+            <a:avLst/>
+          </a:prstGeom>
+          <a:noFill/>
+          <a:ln/>
+        </p:spPr>
+        <p:txBody>
+          <a:bodyPr wrap="square" rtlCol="0" anchor="ctr"/>
+          <a:lstStyle/>
+          <a:p>
+            <a:pPr algn="ctr" indent="0" marL="0">
+              <a:buNone/>
+            </a:pPr>
+            <a:r>
+              <a:rPr lang="en-US" sz="4800" dirty="0">
+                <a:solidFill>
+                  <a:srgbClr val="000000"/>
+                </a:solidFill>
+              </a:rPr>
+              <a:t>反対</a:t>
+            </a:r>
+            <a:endParaRPr lang="en-US" sz="4800" dirty="0"/>
+          </a:p>
+        </p:txBody>
+      </p:sp>
+      <p:sp>
+        <p:nvSpPr>
+          <p:cNvPr id="3" name="Text 1"/>
+          <p:cNvSpPr/>
+          <p:nvPr/>
+        </p:nvSpPr>
+        <p:spPr>
+          <a:xfrm>
             <a:off x="0" y="914400"/>
             <a:ext cx="9144000" cy="1828800"/>
           </a:xfrm>
@@ -2428,35 +2634,33 @@
             <a:pPr algn="ctr" indent="0" marL="0">
               <a:buNone/>
             </a:pPr>
-            <a:r>
-              <a:rPr lang="en-US" sz="4800" dirty="0">
-                <a:solidFill>
-                  <a:srgbClr val="000000"/>
-                </a:solidFill>
-              </a:rPr>
-              <a:t>反対</a:t>
-            </a:r>
-            <a:endParaRPr lang="en-US" sz="4800" dirty="0"/>
-          </a:p>
-          <a:p>
-            <a:pPr algn="ctr" indent="0" marL="0">
-              <a:buNone/>
-            </a:pPr>
-            <a:r>
-              <a:rPr lang="en-US" sz="4800" dirty="0">
-                <a:solidFill>
-                  <a:srgbClr val="000000"/>
+            <a:endParaRPr lang="en-US" sz="3600" dirty="0"/>
+          </a:p>
+          <a:p>
+            <a:pPr algn="ctr" indent="0" marL="0">
+              <a:buNone/>
+            </a:pPr>
+            <a:endParaRPr lang="en-US" sz="3600" dirty="0"/>
+          </a:p>
+          <a:p>
+            <a:pPr algn="ctr" indent="0" marL="0">
+              <a:buNone/>
+            </a:pPr>
+            <a:r>
+              <a:rPr lang="en-US" sz="3600" dirty="0">
+                <a:solidFill>
+                  <a:srgbClr val="404040"/>
                 </a:solidFill>
               </a:rPr>
               <a:t>はんたい</a:t>
             </a:r>
-            <a:endParaRPr lang="en-US" sz="4800" dirty="0"/>
-          </a:p>
-        </p:txBody>
-      </p:sp>
-      <p:sp>
-        <p:nvSpPr>
-          <p:cNvPr id="3" name="Text 1"/>
+            <a:endParaRPr lang="en-US" sz="3600" dirty="0"/>
+          </a:p>
+        </p:txBody>
+      </p:sp>
+      <p:sp>
+        <p:nvSpPr>
+          <p:cNvPr id="4" name="Text 2"/>
           <p:cNvSpPr/>
           <p:nvPr/>
         </p:nvSpPr>
@@ -2481,7 +2685,7 @@
             <a:r>
               <a:rPr lang="en-US" sz="3600" dirty="0">
                 <a:solidFill>
-                  <a:srgbClr val="000000"/>
+                  <a:srgbClr val="808080"/>
                 </a:solidFill>
               </a:rPr>
               <a:t>opposition, resistance, antagonism, hostility, objection, dissent | reverse, opposite, inverse, contrary...</a:t>
@@ -2492,32 +2696,32 @@
       </p:sp>
       <p:sp>
         <p:nvSpPr>
-          <p:cNvPr id="4" name="Text 2"/>
-          <p:cNvSpPr/>
-          <p:nvPr/>
-        </p:nvSpPr>
-        <p:spPr>
-          <a:xfrm>
-            <a:off x="0" y="4572000"/>
-            <a:ext cx="7315200" cy="1828800"/>
-          </a:xfrm>
-          <a:prstGeom prst="rect">
-            <a:avLst/>
-          </a:prstGeom>
-          <a:noFill/>
-          <a:ln/>
-        </p:spPr>
-        <p:txBody>
-          <a:bodyPr wrap="square" rtlCol="0" anchor="ctr"/>
-          <a:lstStyle/>
-          <a:p>
-            <a:pPr algn="l" indent="0" marL="0">
+          <p:cNvPr id="5" name="Text 3"/>
+          <p:cNvSpPr/>
+          <p:nvPr/>
+        </p:nvSpPr>
+        <p:spPr>
+          <a:xfrm>
+            <a:off x="0" y="3657600"/>
+            <a:ext cx="8686800" cy="1828800"/>
+          </a:xfrm>
+          <a:prstGeom prst="rect">
+            <a:avLst/>
+          </a:prstGeom>
+          <a:noFill/>
+          <a:ln/>
+        </p:spPr>
+        <p:txBody>
+          <a:bodyPr wrap="square" rtlCol="0" anchor="ctr"/>
+          <a:lstStyle/>
+          <a:p>
+            <a:pPr algn="r" indent="0" marL="0">
               <a:buNone/>
             </a:pPr>
             <a:r>
               <a:rPr lang="en-US" sz="2400" dirty="0">
                 <a:solidFill>
-                  <a:srgbClr val="000000"/>
+                  <a:srgbClr val="808080"/>
                 </a:solidFill>
               </a:rPr>
               <a:t>65-66</a:t>
@@ -2559,6 +2763,42 @@
         </p:nvSpPr>
         <p:spPr>
           <a:xfrm>
+            <a:off x="0" y="548640"/>
+            <a:ext cx="9144000" cy="1828800"/>
+          </a:xfrm>
+          <a:prstGeom prst="rect">
+            <a:avLst/>
+          </a:prstGeom>
+          <a:noFill/>
+          <a:ln/>
+        </p:spPr>
+        <p:txBody>
+          <a:bodyPr wrap="square" rtlCol="0" anchor="ctr"/>
+          <a:lstStyle/>
+          <a:p>
+            <a:pPr algn="ctr" indent="0" marL="0">
+              <a:buNone/>
+            </a:pPr>
+            <a:r>
+              <a:rPr lang="en-US" sz="4800" dirty="0">
+                <a:solidFill>
+                  <a:srgbClr val="000000"/>
+                </a:solidFill>
+              </a:rPr>
+              <a:t>論文</a:t>
+            </a:r>
+            <a:endParaRPr lang="en-US" sz="4800" dirty="0"/>
+          </a:p>
+        </p:txBody>
+      </p:sp>
+      <p:sp>
+        <p:nvSpPr>
+          <p:cNvPr id="3" name="Text 1"/>
+          <p:cNvSpPr/>
+          <p:nvPr/>
+        </p:nvSpPr>
+        <p:spPr>
+          <a:xfrm>
             <a:off x="0" y="914400"/>
             <a:ext cx="9144000" cy="1828800"/>
           </a:xfrm>
@@ -2575,35 +2815,33 @@
             <a:pPr algn="ctr" indent="0" marL="0">
               <a:buNone/>
             </a:pPr>
-            <a:r>
-              <a:rPr lang="en-US" sz="4800" dirty="0">
-                <a:solidFill>
-                  <a:srgbClr val="000000"/>
-                </a:solidFill>
-              </a:rPr>
-              <a:t>論文</a:t>
-            </a:r>
-            <a:endParaRPr lang="en-US" sz="4800" dirty="0"/>
-          </a:p>
-          <a:p>
-            <a:pPr algn="ctr" indent="0" marL="0">
-              <a:buNone/>
-            </a:pPr>
-            <a:r>
-              <a:rPr lang="en-US" sz="4800" dirty="0">
-                <a:solidFill>
-                  <a:srgbClr val="000000"/>
+            <a:endParaRPr lang="en-US" sz="3600" dirty="0"/>
+          </a:p>
+          <a:p>
+            <a:pPr algn="ctr" indent="0" marL="0">
+              <a:buNone/>
+            </a:pPr>
+            <a:endParaRPr lang="en-US" sz="3600" dirty="0"/>
+          </a:p>
+          <a:p>
+            <a:pPr algn="ctr" indent="0" marL="0">
+              <a:buNone/>
+            </a:pPr>
+            <a:r>
+              <a:rPr lang="en-US" sz="3600" dirty="0">
+                <a:solidFill>
+                  <a:srgbClr val="404040"/>
                 </a:solidFill>
               </a:rPr>
               <a:t>ろんぶん</a:t>
             </a:r>
-            <a:endParaRPr lang="en-US" sz="4800" dirty="0"/>
-          </a:p>
-        </p:txBody>
-      </p:sp>
-      <p:sp>
-        <p:nvSpPr>
-          <p:cNvPr id="3" name="Text 1"/>
+            <a:endParaRPr lang="en-US" sz="3600" dirty="0"/>
+          </a:p>
+        </p:txBody>
+      </p:sp>
+      <p:sp>
+        <p:nvSpPr>
+          <p:cNvPr id="4" name="Text 2"/>
           <p:cNvSpPr/>
           <p:nvPr/>
         </p:nvSpPr>
@@ -2628,7 +2866,7 @@
             <a:r>
               <a:rPr lang="en-US" sz="3600" dirty="0">
                 <a:solidFill>
-                  <a:srgbClr val="000000"/>
+                  <a:srgbClr val="808080"/>
                 </a:solidFill>
               </a:rPr>
               <a:t>thesis, essay, treatise, paper, article...</a:t>
@@ -2639,32 +2877,32 @@
       </p:sp>
       <p:sp>
         <p:nvSpPr>
-          <p:cNvPr id="4" name="Text 2"/>
-          <p:cNvSpPr/>
-          <p:nvPr/>
-        </p:nvSpPr>
-        <p:spPr>
-          <a:xfrm>
-            <a:off x="0" y="4572000"/>
-            <a:ext cx="7315200" cy="1828800"/>
-          </a:xfrm>
-          <a:prstGeom prst="rect">
-            <a:avLst/>
-          </a:prstGeom>
-          <a:noFill/>
-          <a:ln/>
-        </p:spPr>
-        <p:txBody>
-          <a:bodyPr wrap="square" rtlCol="0" anchor="ctr"/>
-          <a:lstStyle/>
-          <a:p>
-            <a:pPr algn="l" indent="0" marL="0">
+          <p:cNvPr id="5" name="Text 3"/>
+          <p:cNvSpPr/>
+          <p:nvPr/>
+        </p:nvSpPr>
+        <p:spPr>
+          <a:xfrm>
+            <a:off x="0" y="3657600"/>
+            <a:ext cx="8686800" cy="1828800"/>
+          </a:xfrm>
+          <a:prstGeom prst="rect">
+            <a:avLst/>
+          </a:prstGeom>
+          <a:noFill/>
+          <a:ln/>
+        </p:spPr>
+        <p:txBody>
+          <a:bodyPr wrap="square" rtlCol="0" anchor="ctr"/>
+          <a:lstStyle/>
+          <a:p>
+            <a:pPr algn="r" indent="0" marL="0">
               <a:buNone/>
             </a:pPr>
             <a:r>
               <a:rPr lang="en-US" sz="2400" dirty="0">
                 <a:solidFill>
-                  <a:srgbClr val="000000"/>
+                  <a:srgbClr val="808080"/>
                 </a:solidFill>
               </a:rPr>
               <a:t>65-66</a:t>
@@ -2706,6 +2944,42 @@
         </p:nvSpPr>
         <p:spPr>
           <a:xfrm>
+            <a:off x="0" y="548640"/>
+            <a:ext cx="9144000" cy="1828800"/>
+          </a:xfrm>
+          <a:prstGeom prst="rect">
+            <a:avLst/>
+          </a:prstGeom>
+          <a:noFill/>
+          <a:ln/>
+        </p:spPr>
+        <p:txBody>
+          <a:bodyPr wrap="square" rtlCol="0" anchor="ctr"/>
+          <a:lstStyle/>
+          <a:p>
+            <a:pPr algn="ctr" indent="0" marL="0">
+              <a:buNone/>
+            </a:pPr>
+            <a:r>
+              <a:rPr lang="en-US" sz="4800" dirty="0">
+                <a:solidFill>
+                  <a:srgbClr val="000000"/>
+                </a:solidFill>
+              </a:rPr>
+              <a:t>否定</a:t>
+            </a:r>
+            <a:endParaRPr lang="en-US" sz="4800" dirty="0"/>
+          </a:p>
+        </p:txBody>
+      </p:sp>
+      <p:sp>
+        <p:nvSpPr>
+          <p:cNvPr id="3" name="Text 1"/>
+          <p:cNvSpPr/>
+          <p:nvPr/>
+        </p:nvSpPr>
+        <p:spPr>
+          <a:xfrm>
             <a:off x="0" y="914400"/>
             <a:ext cx="9144000" cy="1828800"/>
           </a:xfrm>
@@ -2722,35 +2996,33 @@
             <a:pPr algn="ctr" indent="0" marL="0">
               <a:buNone/>
             </a:pPr>
-            <a:r>
-              <a:rPr lang="en-US" sz="4800" dirty="0">
-                <a:solidFill>
-                  <a:srgbClr val="000000"/>
-                </a:solidFill>
-              </a:rPr>
-              <a:t>否定</a:t>
-            </a:r>
-            <a:endParaRPr lang="en-US" sz="4800" dirty="0"/>
-          </a:p>
-          <a:p>
-            <a:pPr algn="ctr" indent="0" marL="0">
-              <a:buNone/>
-            </a:pPr>
-            <a:r>
-              <a:rPr lang="en-US" sz="4800" dirty="0">
-                <a:solidFill>
-                  <a:srgbClr val="000000"/>
+            <a:endParaRPr lang="en-US" sz="3600" dirty="0"/>
+          </a:p>
+          <a:p>
+            <a:pPr algn="ctr" indent="0" marL="0">
+              <a:buNone/>
+            </a:pPr>
+            <a:endParaRPr lang="en-US" sz="3600" dirty="0"/>
+          </a:p>
+          <a:p>
+            <a:pPr algn="ctr" indent="0" marL="0">
+              <a:buNone/>
+            </a:pPr>
+            <a:r>
+              <a:rPr lang="en-US" sz="3600" dirty="0">
+                <a:solidFill>
+                  <a:srgbClr val="404040"/>
                 </a:solidFill>
               </a:rPr>
               <a:t>ひてい</a:t>
             </a:r>
-            <a:endParaRPr lang="en-US" sz="4800" dirty="0"/>
-          </a:p>
-        </p:txBody>
-      </p:sp>
-      <p:sp>
-        <p:nvSpPr>
-          <p:cNvPr id="3" name="Text 1"/>
+            <a:endParaRPr lang="en-US" sz="3600" dirty="0"/>
+          </a:p>
+        </p:txBody>
+      </p:sp>
+      <p:sp>
+        <p:nvSpPr>
+          <p:cNvPr id="4" name="Text 2"/>
           <p:cNvSpPr/>
           <p:nvPr/>
         </p:nvSpPr>
@@ -2775,7 +3047,7 @@
             <a:r>
               <a:rPr lang="en-US" sz="3600" dirty="0">
                 <a:solidFill>
-                  <a:srgbClr val="000000"/>
+                  <a:srgbClr val="808080"/>
                 </a:solidFill>
               </a:rPr>
               <a:t>denial, negation, repudiation, disavowal | negation | NOT operation...</a:t>
@@ -2786,32 +3058,32 @@
       </p:sp>
       <p:sp>
         <p:nvSpPr>
-          <p:cNvPr id="4" name="Text 2"/>
-          <p:cNvSpPr/>
-          <p:nvPr/>
-        </p:nvSpPr>
-        <p:spPr>
-          <a:xfrm>
-            <a:off x="0" y="4572000"/>
-            <a:ext cx="7315200" cy="1828800"/>
-          </a:xfrm>
-          <a:prstGeom prst="rect">
-            <a:avLst/>
-          </a:prstGeom>
-          <a:noFill/>
-          <a:ln/>
-        </p:spPr>
-        <p:txBody>
-          <a:bodyPr wrap="square" rtlCol="0" anchor="ctr"/>
-          <a:lstStyle/>
-          <a:p>
-            <a:pPr algn="l" indent="0" marL="0">
+          <p:cNvPr id="5" name="Text 3"/>
+          <p:cNvSpPr/>
+          <p:nvPr/>
+        </p:nvSpPr>
+        <p:spPr>
+          <a:xfrm>
+            <a:off x="0" y="3657600"/>
+            <a:ext cx="8686800" cy="1828800"/>
+          </a:xfrm>
+          <a:prstGeom prst="rect">
+            <a:avLst/>
+          </a:prstGeom>
+          <a:noFill/>
+          <a:ln/>
+        </p:spPr>
+        <p:txBody>
+          <a:bodyPr wrap="square" rtlCol="0" anchor="ctr"/>
+          <a:lstStyle/>
+          <a:p>
+            <a:pPr algn="r" indent="0" marL="0">
               <a:buNone/>
             </a:pPr>
             <a:r>
               <a:rPr lang="en-US" sz="2400" dirty="0">
                 <a:solidFill>
-                  <a:srgbClr val="000000"/>
+                  <a:srgbClr val="808080"/>
                 </a:solidFill>
               </a:rPr>
               <a:t>65-66</a:t>
@@ -2853,6 +3125,42 @@
         </p:nvSpPr>
         <p:spPr>
           <a:xfrm>
+            <a:off x="0" y="548640"/>
+            <a:ext cx="9144000" cy="1828800"/>
+          </a:xfrm>
+          <a:prstGeom prst="rect">
+            <a:avLst/>
+          </a:prstGeom>
+          <a:noFill/>
+          <a:ln/>
+        </p:spPr>
+        <p:txBody>
+          <a:bodyPr wrap="square" rtlCol="0" anchor="ctr"/>
+          <a:lstStyle/>
+          <a:p>
+            <a:pPr algn="ctr" indent="0" marL="0">
+              <a:buNone/>
+            </a:pPr>
+            <a:r>
+              <a:rPr lang="en-US" sz="4800" dirty="0">
+                <a:solidFill>
+                  <a:srgbClr val="000000"/>
+                </a:solidFill>
+              </a:rPr>
+              <a:t>野菜</a:t>
+            </a:r>
+            <a:endParaRPr lang="en-US" sz="4800" dirty="0"/>
+          </a:p>
+        </p:txBody>
+      </p:sp>
+      <p:sp>
+        <p:nvSpPr>
+          <p:cNvPr id="3" name="Text 1"/>
+          <p:cNvSpPr/>
+          <p:nvPr/>
+        </p:nvSpPr>
+        <p:spPr>
+          <a:xfrm>
             <a:off x="0" y="914400"/>
             <a:ext cx="9144000" cy="1828800"/>
           </a:xfrm>
@@ -2869,35 +3177,33 @@
             <a:pPr algn="ctr" indent="0" marL="0">
               <a:buNone/>
             </a:pPr>
-            <a:r>
-              <a:rPr lang="en-US" sz="4800" dirty="0">
-                <a:solidFill>
-                  <a:srgbClr val="000000"/>
-                </a:solidFill>
-              </a:rPr>
-              <a:t>野菜</a:t>
-            </a:r>
-            <a:endParaRPr lang="en-US" sz="4800" dirty="0"/>
-          </a:p>
-          <a:p>
-            <a:pPr algn="ctr" indent="0" marL="0">
-              <a:buNone/>
-            </a:pPr>
-            <a:r>
-              <a:rPr lang="en-US" sz="4800" dirty="0">
-                <a:solidFill>
-                  <a:srgbClr val="000000"/>
+            <a:endParaRPr lang="en-US" sz="3600" dirty="0"/>
+          </a:p>
+          <a:p>
+            <a:pPr algn="ctr" indent="0" marL="0">
+              <a:buNone/>
+            </a:pPr>
+            <a:endParaRPr lang="en-US" sz="3600" dirty="0"/>
+          </a:p>
+          <a:p>
+            <a:pPr algn="ctr" indent="0" marL="0">
+              <a:buNone/>
+            </a:pPr>
+            <a:r>
+              <a:rPr lang="en-US" sz="3600" dirty="0">
+                <a:solidFill>
+                  <a:srgbClr val="404040"/>
                 </a:solidFill>
               </a:rPr>
               <a:t>やさい</a:t>
             </a:r>
-            <a:endParaRPr lang="en-US" sz="4800" dirty="0"/>
-          </a:p>
-        </p:txBody>
-      </p:sp>
-      <p:sp>
-        <p:nvSpPr>
-          <p:cNvPr id="3" name="Text 1"/>
+            <a:endParaRPr lang="en-US" sz="3600" dirty="0"/>
+          </a:p>
+        </p:txBody>
+      </p:sp>
+      <p:sp>
+        <p:nvSpPr>
+          <p:cNvPr id="4" name="Text 2"/>
           <p:cNvSpPr/>
           <p:nvPr/>
         </p:nvSpPr>
@@ -2922,7 +3228,7 @@
             <a:r>
               <a:rPr lang="en-US" sz="3600" dirty="0">
                 <a:solidFill>
-                  <a:srgbClr val="000000"/>
+                  <a:srgbClr val="808080"/>
                 </a:solidFill>
               </a:rPr>
               <a:t>vegetable...</a:t>
@@ -2933,32 +3239,32 @@
       </p:sp>
       <p:sp>
         <p:nvSpPr>
-          <p:cNvPr id="4" name="Text 2"/>
-          <p:cNvSpPr/>
-          <p:nvPr/>
-        </p:nvSpPr>
-        <p:spPr>
-          <a:xfrm>
-            <a:off x="0" y="4572000"/>
-            <a:ext cx="7315200" cy="1828800"/>
-          </a:xfrm>
-          <a:prstGeom prst="rect">
-            <a:avLst/>
-          </a:prstGeom>
-          <a:noFill/>
-          <a:ln/>
-        </p:spPr>
-        <p:txBody>
-          <a:bodyPr wrap="square" rtlCol="0" anchor="ctr"/>
-          <a:lstStyle/>
-          <a:p>
-            <a:pPr algn="l" indent="0" marL="0">
+          <p:cNvPr id="5" name="Text 3"/>
+          <p:cNvSpPr/>
+          <p:nvPr/>
+        </p:nvSpPr>
+        <p:spPr>
+          <a:xfrm>
+            <a:off x="0" y="3657600"/>
+            <a:ext cx="8686800" cy="1828800"/>
+          </a:xfrm>
+          <a:prstGeom prst="rect">
+            <a:avLst/>
+          </a:prstGeom>
+          <a:noFill/>
+          <a:ln/>
+        </p:spPr>
+        <p:txBody>
+          <a:bodyPr wrap="square" rtlCol="0" anchor="ctr"/>
+          <a:lstStyle/>
+          <a:p>
+            <a:pPr algn="r" indent="0" marL="0">
               <a:buNone/>
             </a:pPr>
             <a:r>
               <a:rPr lang="en-US" sz="2400" dirty="0">
                 <a:solidFill>
-                  <a:srgbClr val="000000"/>
+                  <a:srgbClr val="808080"/>
                 </a:solidFill>
               </a:rPr>
               <a:t>65-66</a:t>
@@ -3000,6 +3306,42 @@
         </p:nvSpPr>
         <p:spPr>
           <a:xfrm>
+            <a:off x="0" y="548640"/>
+            <a:ext cx="9144000" cy="1828800"/>
+          </a:xfrm>
+          <a:prstGeom prst="rect">
+            <a:avLst/>
+          </a:prstGeom>
+          <a:noFill/>
+          <a:ln/>
+        </p:spPr>
+        <p:txBody>
+          <a:bodyPr wrap="square" rtlCol="0" anchor="ctr"/>
+          <a:lstStyle/>
+          <a:p>
+            <a:pPr algn="ctr" indent="0" marL="0">
+              <a:buNone/>
+            </a:pPr>
+            <a:r>
+              <a:rPr lang="en-US" sz="4800" dirty="0">
+                <a:solidFill>
+                  <a:srgbClr val="000000"/>
+                </a:solidFill>
+              </a:rPr>
+              <a:t>穀物</a:t>
+            </a:r>
+            <a:endParaRPr lang="en-US" sz="4800" dirty="0"/>
+          </a:p>
+        </p:txBody>
+      </p:sp>
+      <p:sp>
+        <p:nvSpPr>
+          <p:cNvPr id="3" name="Text 1"/>
+          <p:cNvSpPr/>
+          <p:nvPr/>
+        </p:nvSpPr>
+        <p:spPr>
+          <a:xfrm>
             <a:off x="0" y="914400"/>
             <a:ext cx="9144000" cy="1828800"/>
           </a:xfrm>
@@ -3016,35 +3358,33 @@
             <a:pPr algn="ctr" indent="0" marL="0">
               <a:buNone/>
             </a:pPr>
-            <a:r>
-              <a:rPr lang="en-US" sz="4800" dirty="0">
-                <a:solidFill>
-                  <a:srgbClr val="000000"/>
-                </a:solidFill>
-              </a:rPr>
-              <a:t>穀物</a:t>
-            </a:r>
-            <a:endParaRPr lang="en-US" sz="4800" dirty="0"/>
-          </a:p>
-          <a:p>
-            <a:pPr algn="ctr" indent="0" marL="0">
-              <a:buNone/>
-            </a:pPr>
-            <a:r>
-              <a:rPr lang="en-US" sz="4800" dirty="0">
-                <a:solidFill>
-                  <a:srgbClr val="000000"/>
+            <a:endParaRPr lang="en-US" sz="3600" dirty="0"/>
+          </a:p>
+          <a:p>
+            <a:pPr algn="ctr" indent="0" marL="0">
+              <a:buNone/>
+            </a:pPr>
+            <a:endParaRPr lang="en-US" sz="3600" dirty="0"/>
+          </a:p>
+          <a:p>
+            <a:pPr algn="ctr" indent="0" marL="0">
+              <a:buNone/>
+            </a:pPr>
+            <a:r>
+              <a:rPr lang="en-US" sz="3600" dirty="0">
+                <a:solidFill>
+                  <a:srgbClr val="404040"/>
                 </a:solidFill>
               </a:rPr>
               <a:t>こくもつ</a:t>
             </a:r>
-            <a:endParaRPr lang="en-US" sz="4800" dirty="0"/>
-          </a:p>
-        </p:txBody>
-      </p:sp>
-      <p:sp>
-        <p:nvSpPr>
-          <p:cNvPr id="3" name="Text 1"/>
+            <a:endParaRPr lang="en-US" sz="3600" dirty="0"/>
+          </a:p>
+        </p:txBody>
+      </p:sp>
+      <p:sp>
+        <p:nvSpPr>
+          <p:cNvPr id="4" name="Text 2"/>
           <p:cNvSpPr/>
           <p:nvPr/>
         </p:nvSpPr>
@@ -3069,7 +3409,7 @@
             <a:r>
               <a:rPr lang="en-US" sz="3600" dirty="0">
                 <a:solidFill>
-                  <a:srgbClr val="000000"/>
+                  <a:srgbClr val="808080"/>
                 </a:solidFill>
               </a:rPr>
               <a:t>grain, cereal, corn...</a:t>
@@ -3080,32 +3420,32 @@
       </p:sp>
       <p:sp>
         <p:nvSpPr>
-          <p:cNvPr id="4" name="Text 2"/>
-          <p:cNvSpPr/>
-          <p:nvPr/>
-        </p:nvSpPr>
-        <p:spPr>
-          <a:xfrm>
-            <a:off x="0" y="4572000"/>
-            <a:ext cx="7315200" cy="1828800"/>
-          </a:xfrm>
-          <a:prstGeom prst="rect">
-            <a:avLst/>
-          </a:prstGeom>
-          <a:noFill/>
-          <a:ln/>
-        </p:spPr>
-        <p:txBody>
-          <a:bodyPr wrap="square" rtlCol="0" anchor="ctr"/>
-          <a:lstStyle/>
-          <a:p>
-            <a:pPr algn="l" indent="0" marL="0">
+          <p:cNvPr id="5" name="Text 3"/>
+          <p:cNvSpPr/>
+          <p:nvPr/>
+        </p:nvSpPr>
+        <p:spPr>
+          <a:xfrm>
+            <a:off x="0" y="3657600"/>
+            <a:ext cx="8686800" cy="1828800"/>
+          </a:xfrm>
+          <a:prstGeom prst="rect">
+            <a:avLst/>
+          </a:prstGeom>
+          <a:noFill/>
+          <a:ln/>
+        </p:spPr>
+        <p:txBody>
+          <a:bodyPr wrap="square" rtlCol="0" anchor="ctr"/>
+          <a:lstStyle/>
+          <a:p>
+            <a:pPr algn="r" indent="0" marL="0">
               <a:buNone/>
             </a:pPr>
             <a:r>
               <a:rPr lang="en-US" sz="2400" dirty="0">
                 <a:solidFill>
-                  <a:srgbClr val="000000"/>
+                  <a:srgbClr val="808080"/>
                 </a:solidFill>
               </a:rPr>
               <a:t>65-66</a:t>

--- a/10|2-6/2023-10-5/kanji-writing.pptx
+++ b/10|2-6/2023-10-5/kanji-writing.pptx
@@ -15,9 +15,12 @@
     <p:sldId id="263" r:id="rId9"/>
     <p:sldId id="264" r:id="rId10"/>
     <p:sldId id="265" r:id="rId11"/>
+    <p:sldId id="266" r:id="rId12"/>
+    <p:sldId id="267" r:id="rId13"/>
+    <p:sldId id="268" r:id="rId14"/>
   </p:sldIdLst>
   <p:notesMasterIdLst>
-    <p:notesMasterId r:id="rId12"/>
+    <p:notesMasterId r:id="rId15"/>
   </p:notesMasterIdLst>
   <p:sldSz cx="9144000" cy="5143500"/>
   <p:notesSz cx="5143500" cy="9144000"/>
@@ -623,6 +626,270 @@
             <a:fld id="{F7021451-1387-4CA6-816F-3879F97B5CBC}" type="slidenum">
               <a:rPr lang="en-US"/>
               <a:t>10</a:t>
+            </a:fld>
+            <a:endParaRPr lang="en-US"/>
+          </a:p>
+        </p:txBody>
+      </p:sp>
+    </p:spTree>
+    <p:extLst>
+      <p:ext uri="{BB962C8B-B14F-4D97-AF65-F5344CB8AC3E}">
+        <p14:creationId xmlns:p14="http://schemas.microsoft.com/office/powerpoint/2010/main" val="1024086991"/>
+      </p:ext>
+    </p:extLst>
+  </p:cSld>
+  <p:clrMapOvr>
+    <a:masterClrMapping/>
+  </p:clrMapOvr>
+</p:notes>
+</file>
+
+<file path=ppt/notesSlides/notesSlide11.xml><?xml version="1.0" encoding="utf-8"?>
+<p:notes xmlns:a="http://schemas.openxmlformats.org/drawingml/2006/main" xmlns:r="http://schemas.openxmlformats.org/officeDocument/2006/relationships" xmlns:p="http://schemas.openxmlformats.org/presentationml/2006/main">
+  <p:cSld>
+    <p:spTree>
+      <p:nvGrpSpPr>
+        <p:cNvPr id="1" name=""/>
+        <p:cNvGrpSpPr/>
+        <p:nvPr/>
+      </p:nvGrpSpPr>
+      <p:grpSpPr>
+        <a:xfrm>
+          <a:off x="0" y="0"/>
+          <a:ext cx="0" cy="0"/>
+          <a:chOff x="0" y="0"/>
+          <a:chExt cx="0" cy="0"/>
+        </a:xfrm>
+      </p:grpSpPr>
+      <p:sp>
+        <p:nvSpPr>
+          <p:cNvPr id="2" name="Slide Image Placeholder 1"/>
+          <p:cNvSpPr>
+            <a:spLocks noGrp="1" noRot="1" noChangeAspect="1"/>
+          </p:cNvSpPr>
+          <p:nvPr>
+            <p:ph type="sldImg"/>
+          </p:nvPr>
+        </p:nvSpPr>
+        <p:spPr/>
+      </p:sp>
+      <p:sp>
+        <p:nvSpPr>
+          <p:cNvPr id="3" name="Notes Placeholder 2"/>
+          <p:cNvSpPr>
+            <a:spLocks noGrp="1"/>
+          </p:cNvSpPr>
+          <p:nvPr>
+            <p:ph type="body" idx="1"/>
+          </p:nvPr>
+        </p:nvSpPr>
+        <p:spPr/>
+        <p:txBody>
+          <a:bodyPr/>
+          <a:lstStyle/>
+          <a:p>
+            <a:r>
+              <a:rPr lang="en-US" dirty="0"/>
+              <a:t/>
+            </a:r>
+            <a:endParaRPr lang="en-US" dirty="0"/>
+          </a:p>
+        </p:txBody>
+      </p:sp>
+      <p:sp>
+        <p:nvSpPr>
+          <p:cNvPr id="4" name="Slide Number Placeholder 3"/>
+          <p:cNvSpPr>
+            <a:spLocks noGrp="1"/>
+          </p:cNvSpPr>
+          <p:nvPr>
+            <p:ph type="sldNum" sz="quarter" idx="10"/>
+          </p:nvPr>
+        </p:nvSpPr>
+        <p:spPr/>
+        <p:txBody>
+          <a:bodyPr/>
+          <a:lstStyle/>
+          <a:p>
+            <a:fld id="{F7021451-1387-4CA6-816F-3879F97B5CBC}" type="slidenum">
+              <a:rPr lang="en-US"/>
+              <a:t>11</a:t>
+            </a:fld>
+            <a:endParaRPr lang="en-US"/>
+          </a:p>
+        </p:txBody>
+      </p:sp>
+    </p:spTree>
+    <p:extLst>
+      <p:ext uri="{BB962C8B-B14F-4D97-AF65-F5344CB8AC3E}">
+        <p14:creationId xmlns:p14="http://schemas.microsoft.com/office/powerpoint/2010/main" val="1024086991"/>
+      </p:ext>
+    </p:extLst>
+  </p:cSld>
+  <p:clrMapOvr>
+    <a:masterClrMapping/>
+  </p:clrMapOvr>
+</p:notes>
+</file>
+
+<file path=ppt/notesSlides/notesSlide12.xml><?xml version="1.0" encoding="utf-8"?>
+<p:notes xmlns:a="http://schemas.openxmlformats.org/drawingml/2006/main" xmlns:r="http://schemas.openxmlformats.org/officeDocument/2006/relationships" xmlns:p="http://schemas.openxmlformats.org/presentationml/2006/main">
+  <p:cSld>
+    <p:spTree>
+      <p:nvGrpSpPr>
+        <p:cNvPr id="1" name=""/>
+        <p:cNvGrpSpPr/>
+        <p:nvPr/>
+      </p:nvGrpSpPr>
+      <p:grpSpPr>
+        <a:xfrm>
+          <a:off x="0" y="0"/>
+          <a:ext cx="0" cy="0"/>
+          <a:chOff x="0" y="0"/>
+          <a:chExt cx="0" cy="0"/>
+        </a:xfrm>
+      </p:grpSpPr>
+      <p:sp>
+        <p:nvSpPr>
+          <p:cNvPr id="2" name="Slide Image Placeholder 1"/>
+          <p:cNvSpPr>
+            <a:spLocks noGrp="1" noRot="1" noChangeAspect="1"/>
+          </p:cNvSpPr>
+          <p:nvPr>
+            <p:ph type="sldImg"/>
+          </p:nvPr>
+        </p:nvSpPr>
+        <p:spPr/>
+      </p:sp>
+      <p:sp>
+        <p:nvSpPr>
+          <p:cNvPr id="3" name="Notes Placeholder 2"/>
+          <p:cNvSpPr>
+            <a:spLocks noGrp="1"/>
+          </p:cNvSpPr>
+          <p:nvPr>
+            <p:ph type="body" idx="1"/>
+          </p:nvPr>
+        </p:nvSpPr>
+        <p:spPr/>
+        <p:txBody>
+          <a:bodyPr/>
+          <a:lstStyle/>
+          <a:p>
+            <a:r>
+              <a:rPr lang="en-US" dirty="0"/>
+              <a:t/>
+            </a:r>
+            <a:endParaRPr lang="en-US" dirty="0"/>
+          </a:p>
+        </p:txBody>
+      </p:sp>
+      <p:sp>
+        <p:nvSpPr>
+          <p:cNvPr id="4" name="Slide Number Placeholder 3"/>
+          <p:cNvSpPr>
+            <a:spLocks noGrp="1"/>
+          </p:cNvSpPr>
+          <p:nvPr>
+            <p:ph type="sldNum" sz="quarter" idx="10"/>
+          </p:nvPr>
+        </p:nvSpPr>
+        <p:spPr/>
+        <p:txBody>
+          <a:bodyPr/>
+          <a:lstStyle/>
+          <a:p>
+            <a:fld id="{F7021451-1387-4CA6-816F-3879F97B5CBC}" type="slidenum">
+              <a:rPr lang="en-US"/>
+              <a:t>12</a:t>
+            </a:fld>
+            <a:endParaRPr lang="en-US"/>
+          </a:p>
+        </p:txBody>
+      </p:sp>
+    </p:spTree>
+    <p:extLst>
+      <p:ext uri="{BB962C8B-B14F-4D97-AF65-F5344CB8AC3E}">
+        <p14:creationId xmlns:p14="http://schemas.microsoft.com/office/powerpoint/2010/main" val="1024086991"/>
+      </p:ext>
+    </p:extLst>
+  </p:cSld>
+  <p:clrMapOvr>
+    <a:masterClrMapping/>
+  </p:clrMapOvr>
+</p:notes>
+</file>
+
+<file path=ppt/notesSlides/notesSlide13.xml><?xml version="1.0" encoding="utf-8"?>
+<p:notes xmlns:a="http://schemas.openxmlformats.org/drawingml/2006/main" xmlns:r="http://schemas.openxmlformats.org/officeDocument/2006/relationships" xmlns:p="http://schemas.openxmlformats.org/presentationml/2006/main">
+  <p:cSld>
+    <p:spTree>
+      <p:nvGrpSpPr>
+        <p:cNvPr id="1" name=""/>
+        <p:cNvGrpSpPr/>
+        <p:nvPr/>
+      </p:nvGrpSpPr>
+      <p:grpSpPr>
+        <a:xfrm>
+          <a:off x="0" y="0"/>
+          <a:ext cx="0" cy="0"/>
+          <a:chOff x="0" y="0"/>
+          <a:chExt cx="0" cy="0"/>
+        </a:xfrm>
+      </p:grpSpPr>
+      <p:sp>
+        <p:nvSpPr>
+          <p:cNvPr id="2" name="Slide Image Placeholder 1"/>
+          <p:cNvSpPr>
+            <a:spLocks noGrp="1" noRot="1" noChangeAspect="1"/>
+          </p:cNvSpPr>
+          <p:nvPr>
+            <p:ph type="sldImg"/>
+          </p:nvPr>
+        </p:nvSpPr>
+        <p:spPr/>
+      </p:sp>
+      <p:sp>
+        <p:nvSpPr>
+          <p:cNvPr id="3" name="Notes Placeholder 2"/>
+          <p:cNvSpPr>
+            <a:spLocks noGrp="1"/>
+          </p:cNvSpPr>
+          <p:nvPr>
+            <p:ph type="body" idx="1"/>
+          </p:nvPr>
+        </p:nvSpPr>
+        <p:spPr/>
+        <p:txBody>
+          <a:bodyPr/>
+          <a:lstStyle/>
+          <a:p>
+            <a:r>
+              <a:rPr lang="en-US" dirty="0"/>
+              <a:t/>
+            </a:r>
+            <a:endParaRPr lang="en-US" dirty="0"/>
+          </a:p>
+        </p:txBody>
+      </p:sp>
+      <p:sp>
+        <p:nvSpPr>
+          <p:cNvPr id="4" name="Slide Number Placeholder 3"/>
+          <p:cNvSpPr>
+            <a:spLocks noGrp="1"/>
+          </p:cNvSpPr>
+          <p:nvPr>
+            <p:ph type="sldNum" sz="quarter" idx="10"/>
+          </p:nvPr>
+        </p:nvSpPr>
+        <p:spPr/>
+        <p:txBody>
+          <a:bodyPr/>
+          <a:lstStyle/>
+          <a:p>
+            <a:fld id="{F7021451-1387-4CA6-816F-3879F97B5CBC}" type="slidenum">
+              <a:rPr lang="en-US"/>
+              <a:t>13</a:t>
             </a:fld>
             <a:endParaRPr lang="en-US"/>
           </a:p>
@@ -1699,7 +1966,7 @@
                   <a:srgbClr val="000000"/>
                 </a:solidFill>
               </a:rPr>
-              <a:t>幅広い</a:t>
+              <a:t>豊か</a:t>
             </a:r>
             <a:endParaRPr lang="en-US" sz="4800" dirty="0"/>
           </a:p>
@@ -1747,7 +2014,7 @@
                   <a:srgbClr val="404040"/>
                 </a:solidFill>
               </a:rPr>
-              <a:t>はばひろい</a:t>
+              <a:t>ゆたか</a:t>
             </a:r>
             <a:endParaRPr lang="en-US" sz="3600" dirty="0"/>
           </a:p>
@@ -1783,7 +2050,7 @@
                   <a:srgbClr val="808080"/>
                 </a:solidFill>
               </a:rPr>
-              <a:t>extensive, wide, broad...</a:t>
+              <a:t>abundant, plentiful, rich, ample | rich, wealthy, affluent, well-off | open (mind), relaxed, easy | plump (e.g. breasts),...</a:t>
             </a:r>
             <a:endParaRPr lang="en-US" sz="3600" dirty="0"/>
           </a:p>
@@ -1819,7 +2086,7 @@
                   <a:srgbClr val="808080"/>
                 </a:solidFill>
               </a:rPr>
-              <a:t>65-66</a:t>
+              <a:t>63-64</a:t>
             </a:r>
             <a:endParaRPr lang="en-US" sz="2400" dirty="0"/>
           </a:p>
@@ -1880,7 +2147,7 @@
                   <a:srgbClr val="000000"/>
                 </a:solidFill>
               </a:rPr>
-              <a:t>害虫</a:t>
+              <a:t>与える</a:t>
             </a:r>
             <a:endParaRPr lang="en-US" sz="4800" dirty="0"/>
           </a:p>
@@ -1928,7 +2195,7 @@
                   <a:srgbClr val="404040"/>
                 </a:solidFill>
               </a:rPr>
-              <a:t>がいちゅう</a:t>
+              <a:t>あたえる</a:t>
             </a:r>
             <a:endParaRPr lang="en-US" sz="3600" dirty="0"/>
           </a:p>
@@ -1964,7 +2231,7 @@
                   <a:srgbClr val="808080"/>
                 </a:solidFill>
               </a:rPr>
-              <a:t>harmful insect, noxious insect, vermin, pest...</a:t>
+              <a:t>to give (esp. to someone of lower status), to bestow, to grant, to confer, to present, to award | to provide, to afford, ...</a:t>
             </a:r>
             <a:endParaRPr lang="en-US" sz="3600" dirty="0"/>
           </a:p>
@@ -2000,7 +2267,550 @@
                   <a:srgbClr val="808080"/>
                 </a:solidFill>
               </a:rPr>
-              <a:t>65-66</a:t>
+              <a:t>63-64</a:t>
+            </a:r>
+            <a:endParaRPr lang="en-US" sz="2400" dirty="0"/>
+          </a:p>
+        </p:txBody>
+      </p:sp>
+    </p:spTree>
+  </p:cSld>
+  <p:clrMapOvr>
+    <a:masterClrMapping/>
+  </p:clrMapOvr>
+</p:sld>
+</file>
+
+<file path=ppt/slides/slide11.xml><?xml version="1.0" encoding="utf-8"?>
+<p:sld xmlns:a="http://schemas.openxmlformats.org/drawingml/2006/main" xmlns:r="http://schemas.openxmlformats.org/officeDocument/2006/relationships" xmlns:p="http://schemas.openxmlformats.org/presentationml/2006/main">
+  <p:cSld name="Slide 11">
+    <p:spTree>
+      <p:nvGrpSpPr>
+        <p:cNvPr id="1" name=""/>
+        <p:cNvGrpSpPr/>
+        <p:nvPr/>
+      </p:nvGrpSpPr>
+      <p:grpSpPr>
+        <a:xfrm>
+          <a:off x="0" y="0"/>
+          <a:ext cx="0" cy="0"/>
+          <a:chOff x="0" y="0"/>
+          <a:chExt cx="0" cy="0"/>
+        </a:xfrm>
+      </p:grpSpPr>
+      <p:sp>
+        <p:nvSpPr>
+          <p:cNvPr id="2" name="Text 0"/>
+          <p:cNvSpPr/>
+          <p:nvPr/>
+        </p:nvSpPr>
+        <p:spPr>
+          <a:xfrm>
+            <a:off x="0" y="548640"/>
+            <a:ext cx="9144000" cy="1828800"/>
+          </a:xfrm>
+          <a:prstGeom prst="rect">
+            <a:avLst/>
+          </a:prstGeom>
+          <a:noFill/>
+          <a:ln/>
+        </p:spPr>
+        <p:txBody>
+          <a:bodyPr wrap="square" rtlCol="0" anchor="ctr"/>
+          <a:lstStyle/>
+          <a:p>
+            <a:pPr algn="ctr" indent="0" marL="0">
+              <a:buNone/>
+            </a:pPr>
+            <a:r>
+              <a:rPr lang="en-US" sz="4800" dirty="0">
+                <a:solidFill>
+                  <a:srgbClr val="000000"/>
+                </a:solidFill>
+              </a:rPr>
+              <a:t>貸与</a:t>
+            </a:r>
+            <a:endParaRPr lang="en-US" sz="4800" dirty="0"/>
+          </a:p>
+        </p:txBody>
+      </p:sp>
+      <p:sp>
+        <p:nvSpPr>
+          <p:cNvPr id="3" name="Text 1"/>
+          <p:cNvSpPr/>
+          <p:nvPr/>
+        </p:nvSpPr>
+        <p:spPr>
+          <a:xfrm>
+            <a:off x="0" y="914400"/>
+            <a:ext cx="9144000" cy="1828800"/>
+          </a:xfrm>
+          <a:prstGeom prst="rect">
+            <a:avLst/>
+          </a:prstGeom>
+          <a:noFill/>
+          <a:ln/>
+        </p:spPr>
+        <p:txBody>
+          <a:bodyPr wrap="square" rtlCol="0" anchor="ctr"/>
+          <a:lstStyle/>
+          <a:p>
+            <a:pPr algn="ctr" indent="0" marL="0">
+              <a:buNone/>
+            </a:pPr>
+            <a:endParaRPr lang="en-US" sz="3600" dirty="0"/>
+          </a:p>
+          <a:p>
+            <a:pPr algn="ctr" indent="0" marL="0">
+              <a:buNone/>
+            </a:pPr>
+            <a:endParaRPr lang="en-US" sz="3600" dirty="0"/>
+          </a:p>
+          <a:p>
+            <a:pPr algn="ctr" indent="0" marL="0">
+              <a:buNone/>
+            </a:pPr>
+            <a:r>
+              <a:rPr lang="en-US" sz="3600" dirty="0">
+                <a:solidFill>
+                  <a:srgbClr val="404040"/>
+                </a:solidFill>
+              </a:rPr>
+              <a:t>たいよ</a:t>
+            </a:r>
+            <a:endParaRPr lang="en-US" sz="3600" dirty="0"/>
+          </a:p>
+        </p:txBody>
+      </p:sp>
+      <p:sp>
+        <p:nvSpPr>
+          <p:cNvPr id="4" name="Text 2"/>
+          <p:cNvSpPr/>
+          <p:nvPr/>
+        </p:nvSpPr>
+        <p:spPr>
+          <a:xfrm>
+            <a:off x="0" y="2743200"/>
+            <a:ext cx="9144000" cy="1828800"/>
+          </a:xfrm>
+          <a:prstGeom prst="rect">
+            <a:avLst/>
+          </a:prstGeom>
+          <a:noFill/>
+          <a:ln/>
+        </p:spPr>
+        <p:txBody>
+          <a:bodyPr wrap="square" rtlCol="0" anchor="ctr"/>
+          <a:lstStyle/>
+          <a:p>
+            <a:pPr algn="ctr" indent="0" marL="0">
+              <a:buNone/>
+            </a:pPr>
+            <a:r>
+              <a:rPr lang="en-US" sz="3600" dirty="0">
+                <a:solidFill>
+                  <a:srgbClr val="808080"/>
+                </a:solidFill>
+              </a:rPr>
+              <a:t>loan, lending...</a:t>
+            </a:r>
+            <a:endParaRPr lang="en-US" sz="3600" dirty="0"/>
+          </a:p>
+        </p:txBody>
+      </p:sp>
+      <p:sp>
+        <p:nvSpPr>
+          <p:cNvPr id="5" name="Text 3"/>
+          <p:cNvSpPr/>
+          <p:nvPr/>
+        </p:nvSpPr>
+        <p:spPr>
+          <a:xfrm>
+            <a:off x="0" y="3657600"/>
+            <a:ext cx="8686800" cy="1828800"/>
+          </a:xfrm>
+          <a:prstGeom prst="rect">
+            <a:avLst/>
+          </a:prstGeom>
+          <a:noFill/>
+          <a:ln/>
+        </p:spPr>
+        <p:txBody>
+          <a:bodyPr wrap="square" rtlCol="0" anchor="ctr"/>
+          <a:lstStyle/>
+          <a:p>
+            <a:pPr algn="r" indent="0" marL="0">
+              <a:buNone/>
+            </a:pPr>
+            <a:r>
+              <a:rPr lang="en-US" sz="2400" dirty="0">
+                <a:solidFill>
+                  <a:srgbClr val="808080"/>
+                </a:solidFill>
+              </a:rPr>
+              <a:t>63-64</a:t>
+            </a:r>
+            <a:endParaRPr lang="en-US" sz="2400" dirty="0"/>
+          </a:p>
+        </p:txBody>
+      </p:sp>
+    </p:spTree>
+  </p:cSld>
+  <p:clrMapOvr>
+    <a:masterClrMapping/>
+  </p:clrMapOvr>
+</p:sld>
+</file>
+
+<file path=ppt/slides/slide12.xml><?xml version="1.0" encoding="utf-8"?>
+<p:sld xmlns:a="http://schemas.openxmlformats.org/drawingml/2006/main" xmlns:r="http://schemas.openxmlformats.org/officeDocument/2006/relationships" xmlns:p="http://schemas.openxmlformats.org/presentationml/2006/main">
+  <p:cSld name="Slide 12">
+    <p:spTree>
+      <p:nvGrpSpPr>
+        <p:cNvPr id="1" name=""/>
+        <p:cNvGrpSpPr/>
+        <p:nvPr/>
+      </p:nvGrpSpPr>
+      <p:grpSpPr>
+        <a:xfrm>
+          <a:off x="0" y="0"/>
+          <a:ext cx="0" cy="0"/>
+          <a:chOff x="0" y="0"/>
+          <a:chExt cx="0" cy="0"/>
+        </a:xfrm>
+      </p:grpSpPr>
+      <p:sp>
+        <p:nvSpPr>
+          <p:cNvPr id="2" name="Text 0"/>
+          <p:cNvSpPr/>
+          <p:nvPr/>
+        </p:nvSpPr>
+        <p:spPr>
+          <a:xfrm>
+            <a:off x="0" y="548640"/>
+            <a:ext cx="9144000" cy="1828800"/>
+          </a:xfrm>
+          <a:prstGeom prst="rect">
+            <a:avLst/>
+          </a:prstGeom>
+          <a:noFill/>
+          <a:ln/>
+        </p:spPr>
+        <p:txBody>
+          <a:bodyPr wrap="square" rtlCol="0" anchor="ctr"/>
+          <a:lstStyle/>
+          <a:p>
+            <a:pPr algn="ctr" indent="0" marL="0">
+              <a:buNone/>
+            </a:pPr>
+            <a:r>
+              <a:rPr lang="en-US" sz="4800" dirty="0">
+                <a:solidFill>
+                  <a:srgbClr val="000000"/>
+                </a:solidFill>
+              </a:rPr>
+              <a:t>可能</a:t>
+            </a:r>
+            <a:endParaRPr lang="en-US" sz="4800" dirty="0"/>
+          </a:p>
+        </p:txBody>
+      </p:sp>
+      <p:sp>
+        <p:nvSpPr>
+          <p:cNvPr id="3" name="Text 1"/>
+          <p:cNvSpPr/>
+          <p:nvPr/>
+        </p:nvSpPr>
+        <p:spPr>
+          <a:xfrm>
+            <a:off x="0" y="914400"/>
+            <a:ext cx="9144000" cy="1828800"/>
+          </a:xfrm>
+          <a:prstGeom prst="rect">
+            <a:avLst/>
+          </a:prstGeom>
+          <a:noFill/>
+          <a:ln/>
+        </p:spPr>
+        <p:txBody>
+          <a:bodyPr wrap="square" rtlCol="0" anchor="ctr"/>
+          <a:lstStyle/>
+          <a:p>
+            <a:pPr algn="ctr" indent="0" marL="0">
+              <a:buNone/>
+            </a:pPr>
+            <a:endParaRPr lang="en-US" sz="3600" dirty="0"/>
+          </a:p>
+          <a:p>
+            <a:pPr algn="ctr" indent="0" marL="0">
+              <a:buNone/>
+            </a:pPr>
+            <a:endParaRPr lang="en-US" sz="3600" dirty="0"/>
+          </a:p>
+          <a:p>
+            <a:pPr algn="ctr" indent="0" marL="0">
+              <a:buNone/>
+            </a:pPr>
+            <a:r>
+              <a:rPr lang="en-US" sz="3600" dirty="0">
+                <a:solidFill>
+                  <a:srgbClr val="404040"/>
+                </a:solidFill>
+              </a:rPr>
+              <a:t>かのう</a:t>
+            </a:r>
+            <a:endParaRPr lang="en-US" sz="3600" dirty="0"/>
+          </a:p>
+        </p:txBody>
+      </p:sp>
+      <p:sp>
+        <p:nvSpPr>
+          <p:cNvPr id="4" name="Text 2"/>
+          <p:cNvSpPr/>
+          <p:nvPr/>
+        </p:nvSpPr>
+        <p:spPr>
+          <a:xfrm>
+            <a:off x="0" y="2743200"/>
+            <a:ext cx="9144000" cy="1828800"/>
+          </a:xfrm>
+          <a:prstGeom prst="rect">
+            <a:avLst/>
+          </a:prstGeom>
+          <a:noFill/>
+          <a:ln/>
+        </p:spPr>
+        <p:txBody>
+          <a:bodyPr wrap="square" rtlCol="0" anchor="ctr"/>
+          <a:lstStyle/>
+          <a:p>
+            <a:pPr algn="ctr" indent="0" marL="0">
+              <a:buNone/>
+            </a:pPr>
+            <a:r>
+              <a:rPr lang="en-US" sz="3600" dirty="0">
+                <a:solidFill>
+                  <a:srgbClr val="808080"/>
+                </a:solidFill>
+              </a:rPr>
+              <a:t>possible, potential, practicable, feasible...</a:t>
+            </a:r>
+            <a:endParaRPr lang="en-US" sz="3600" dirty="0"/>
+          </a:p>
+        </p:txBody>
+      </p:sp>
+      <p:sp>
+        <p:nvSpPr>
+          <p:cNvPr id="5" name="Text 3"/>
+          <p:cNvSpPr/>
+          <p:nvPr/>
+        </p:nvSpPr>
+        <p:spPr>
+          <a:xfrm>
+            <a:off x="0" y="3657600"/>
+            <a:ext cx="8686800" cy="1828800"/>
+          </a:xfrm>
+          <a:prstGeom prst="rect">
+            <a:avLst/>
+          </a:prstGeom>
+          <a:noFill/>
+          <a:ln/>
+        </p:spPr>
+        <p:txBody>
+          <a:bodyPr wrap="square" rtlCol="0" anchor="ctr"/>
+          <a:lstStyle/>
+          <a:p>
+            <a:pPr algn="r" indent="0" marL="0">
+              <a:buNone/>
+            </a:pPr>
+            <a:r>
+              <a:rPr lang="en-US" sz="2400" dirty="0">
+                <a:solidFill>
+                  <a:srgbClr val="808080"/>
+                </a:solidFill>
+              </a:rPr>
+              <a:t>63-64</a:t>
+            </a:r>
+            <a:endParaRPr lang="en-US" sz="2400" dirty="0"/>
+          </a:p>
+        </p:txBody>
+      </p:sp>
+    </p:spTree>
+  </p:cSld>
+  <p:clrMapOvr>
+    <a:masterClrMapping/>
+  </p:clrMapOvr>
+</p:sld>
+</file>
+
+<file path=ppt/slides/slide13.xml><?xml version="1.0" encoding="utf-8"?>
+<p:sld xmlns:a="http://schemas.openxmlformats.org/drawingml/2006/main" xmlns:r="http://schemas.openxmlformats.org/officeDocument/2006/relationships" xmlns:p="http://schemas.openxmlformats.org/presentationml/2006/main">
+  <p:cSld name="Slide 13">
+    <p:spTree>
+      <p:nvGrpSpPr>
+        <p:cNvPr id="1" name=""/>
+        <p:cNvGrpSpPr/>
+        <p:nvPr/>
+      </p:nvGrpSpPr>
+      <p:grpSpPr>
+        <a:xfrm>
+          <a:off x="0" y="0"/>
+          <a:ext cx="0" cy="0"/>
+          <a:chOff x="0" y="0"/>
+          <a:chExt cx="0" cy="0"/>
+        </a:xfrm>
+      </p:grpSpPr>
+      <p:sp>
+        <p:nvSpPr>
+          <p:cNvPr id="2" name="Text 0"/>
+          <p:cNvSpPr/>
+          <p:nvPr/>
+        </p:nvSpPr>
+        <p:spPr>
+          <a:xfrm>
+            <a:off x="0" y="548640"/>
+            <a:ext cx="9144000" cy="1828800"/>
+          </a:xfrm>
+          <a:prstGeom prst="rect">
+            <a:avLst/>
+          </a:prstGeom>
+          <a:noFill/>
+          <a:ln/>
+        </p:spPr>
+        <p:txBody>
+          <a:bodyPr wrap="square" rtlCol="0" anchor="ctr"/>
+          <a:lstStyle/>
+          <a:p>
+            <a:pPr algn="ctr" indent="0" marL="0">
+              <a:buNone/>
+            </a:pPr>
+            <a:r>
+              <a:rPr lang="en-US" sz="4800" dirty="0">
+                <a:solidFill>
+                  <a:srgbClr val="000000"/>
+                </a:solidFill>
+              </a:rPr>
+              <a:t>趣味</a:t>
+            </a:r>
+            <a:endParaRPr lang="en-US" sz="4800" dirty="0"/>
+          </a:p>
+        </p:txBody>
+      </p:sp>
+      <p:sp>
+        <p:nvSpPr>
+          <p:cNvPr id="3" name="Text 1"/>
+          <p:cNvSpPr/>
+          <p:nvPr/>
+        </p:nvSpPr>
+        <p:spPr>
+          <a:xfrm>
+            <a:off x="0" y="914400"/>
+            <a:ext cx="9144000" cy="1828800"/>
+          </a:xfrm>
+          <a:prstGeom prst="rect">
+            <a:avLst/>
+          </a:prstGeom>
+          <a:noFill/>
+          <a:ln/>
+        </p:spPr>
+        <p:txBody>
+          <a:bodyPr wrap="square" rtlCol="0" anchor="ctr"/>
+          <a:lstStyle/>
+          <a:p>
+            <a:pPr algn="ctr" indent="0" marL="0">
+              <a:buNone/>
+            </a:pPr>
+            <a:endParaRPr lang="en-US" sz="3600" dirty="0"/>
+          </a:p>
+          <a:p>
+            <a:pPr algn="ctr" indent="0" marL="0">
+              <a:buNone/>
+            </a:pPr>
+            <a:endParaRPr lang="en-US" sz="3600" dirty="0"/>
+          </a:p>
+          <a:p>
+            <a:pPr algn="ctr" indent="0" marL="0">
+              <a:buNone/>
+            </a:pPr>
+            <a:r>
+              <a:rPr lang="en-US" sz="3600" dirty="0">
+                <a:solidFill>
+                  <a:srgbClr val="404040"/>
+                </a:solidFill>
+              </a:rPr>
+              <a:t>しゅみ</a:t>
+            </a:r>
+            <a:endParaRPr lang="en-US" sz="3600" dirty="0"/>
+          </a:p>
+        </p:txBody>
+      </p:sp>
+      <p:sp>
+        <p:nvSpPr>
+          <p:cNvPr id="4" name="Text 2"/>
+          <p:cNvSpPr/>
+          <p:nvPr/>
+        </p:nvSpPr>
+        <p:spPr>
+          <a:xfrm>
+            <a:off x="0" y="2743200"/>
+            <a:ext cx="9144000" cy="1828800"/>
+          </a:xfrm>
+          <a:prstGeom prst="rect">
+            <a:avLst/>
+          </a:prstGeom>
+          <a:noFill/>
+          <a:ln/>
+        </p:spPr>
+        <p:txBody>
+          <a:bodyPr wrap="square" rtlCol="0" anchor="ctr"/>
+          <a:lstStyle/>
+          <a:p>
+            <a:pPr algn="ctr" indent="0" marL="0">
+              <a:buNone/>
+            </a:pPr>
+            <a:r>
+              <a:rPr lang="en-US" sz="3600" dirty="0">
+                <a:solidFill>
+                  <a:srgbClr val="808080"/>
+                </a:solidFill>
+              </a:rPr>
+              <a:t>hobby, pastime | tastes, preference, liking...</a:t>
+            </a:r>
+            <a:endParaRPr lang="en-US" sz="3600" dirty="0"/>
+          </a:p>
+        </p:txBody>
+      </p:sp>
+      <p:sp>
+        <p:nvSpPr>
+          <p:cNvPr id="5" name="Text 3"/>
+          <p:cNvSpPr/>
+          <p:nvPr/>
+        </p:nvSpPr>
+        <p:spPr>
+          <a:xfrm>
+            <a:off x="0" y="3657600"/>
+            <a:ext cx="8686800" cy="1828800"/>
+          </a:xfrm>
+          <a:prstGeom prst="rect">
+            <a:avLst/>
+          </a:prstGeom>
+          <a:noFill/>
+          <a:ln/>
+        </p:spPr>
+        <p:txBody>
+          <a:bodyPr wrap="square" rtlCol="0" anchor="ctr"/>
+          <a:lstStyle/>
+          <a:p>
+            <a:pPr algn="r" indent="0" marL="0">
+              <a:buNone/>
+            </a:pPr>
+            <a:r>
+              <a:rPr lang="en-US" sz="2400" dirty="0">
+                <a:solidFill>
+                  <a:srgbClr val="808080"/>
+                </a:solidFill>
+              </a:rPr>
+              <a:t>63-64</a:t>
             </a:r>
             <a:endParaRPr lang="en-US" sz="2400" dirty="0"/>
           </a:p>
@@ -2061,7 +2871,7 @@
                   <a:srgbClr val="000000"/>
                 </a:solidFill>
               </a:rPr>
-              <a:t>増幅</a:t>
+              <a:t>豊作</a:t>
             </a:r>
             <a:endParaRPr lang="en-US" sz="4800" dirty="0"/>
           </a:p>
@@ -2109,7 +2919,7 @@
                   <a:srgbClr val="404040"/>
                 </a:solidFill>
               </a:rPr>
-              <a:t>ぞうふく</a:t>
+              <a:t>ほうさく</a:t>
             </a:r>
             <a:endParaRPr lang="en-US" sz="3600" dirty="0"/>
           </a:p>
@@ -2145,7 +2955,7 @@
                   <a:srgbClr val="808080"/>
                 </a:solidFill>
               </a:rPr>
-              <a:t>amplification (elec.) | magnification, amplification, making larger...</a:t>
+              <a:t>abundant harvest, bumper crop...</a:t>
             </a:r>
             <a:endParaRPr lang="en-US" sz="3600" dirty="0"/>
           </a:p>
@@ -2181,7 +2991,7 @@
                   <a:srgbClr val="808080"/>
                 </a:solidFill>
               </a:rPr>
-              <a:t>65-66</a:t>
+              <a:t>63-64</a:t>
             </a:r>
             <a:endParaRPr lang="en-US" sz="2400" dirty="0"/>
           </a:p>
@@ -2242,7 +3052,7 @@
                   <a:srgbClr val="000000"/>
                 </a:solidFill>
               </a:rPr>
-              <a:t>支える</a:t>
+              <a:t>得る</a:t>
             </a:r>
             <a:endParaRPr lang="en-US" sz="4800" dirty="0"/>
           </a:p>
@@ -2290,7 +3100,7 @@
                   <a:srgbClr val="404040"/>
                 </a:solidFill>
               </a:rPr>
-              <a:t>ささえる</a:t>
+              <a:t>える</a:t>
             </a:r>
             <a:endParaRPr lang="en-US" sz="3600" dirty="0"/>
           </a:p>
@@ -2326,7 +3136,7 @@
                   <a:srgbClr val="808080"/>
                 </a:solidFill>
               </a:rPr>
-              <a:t>to support, to prop, to sustain, to underlay, to hold up, to defend | to hold at bay, to stem, to check...</a:t>
+              <a:t>to get, to earn, to acquire, to procure, to gain, to secure, to attain, to obtain, to win | to understand, to comprehend ...</a:t>
             </a:r>
             <a:endParaRPr lang="en-US" sz="3600" dirty="0"/>
           </a:p>
@@ -2362,7 +3172,7 @@
                   <a:srgbClr val="808080"/>
                 </a:solidFill>
               </a:rPr>
-              <a:t>65-66</a:t>
+              <a:t>63-64</a:t>
             </a:r>
             <a:endParaRPr lang="en-US" sz="2400" dirty="0"/>
           </a:p>
@@ -2423,7 +3233,7 @@
                   <a:srgbClr val="000000"/>
                 </a:solidFill>
               </a:rPr>
-              <a:t>支持</a:t>
+              <a:t>得意</a:t>
             </a:r>
             <a:endParaRPr lang="en-US" sz="4800" dirty="0"/>
           </a:p>
@@ -2471,7 +3281,7 @@
                   <a:srgbClr val="404040"/>
                 </a:solidFill>
               </a:rPr>
-              <a:t>しじ</a:t>
+              <a:t>とくい</a:t>
             </a:r>
             <a:endParaRPr lang="en-US" sz="3600" dirty="0"/>
           </a:p>
@@ -2507,7 +3317,7 @@
                   <a:srgbClr val="808080"/>
                 </a:solidFill>
               </a:rPr>
-              <a:t>support, backing, endorsement, approval | propping up, holding up, support...</a:t>
+              <a:t>satisfaction, pride, triumph, elation | one's strong point, one's forte, one's specialty | regular customer, regular clie...</a:t>
             </a:r>
             <a:endParaRPr lang="en-US" sz="3600" dirty="0"/>
           </a:p>
@@ -2543,7 +3353,7 @@
                   <a:srgbClr val="808080"/>
                 </a:solidFill>
               </a:rPr>
-              <a:t>65-66</a:t>
+              <a:t>63-64</a:t>
             </a:r>
             <a:endParaRPr lang="en-US" sz="2400" dirty="0"/>
           </a:p>
@@ -2604,7 +3414,7 @@
                   <a:srgbClr val="000000"/>
                 </a:solidFill>
               </a:rPr>
-              <a:t>反対</a:t>
+              <a:t>逆らう</a:t>
             </a:r>
             <a:endParaRPr lang="en-US" sz="4800" dirty="0"/>
           </a:p>
@@ -2652,7 +3462,7 @@
                   <a:srgbClr val="404040"/>
                 </a:solidFill>
               </a:rPr>
-              <a:t>はんたい</a:t>
+              <a:t>さからう</a:t>
             </a:r>
             <a:endParaRPr lang="en-US" sz="3600" dirty="0"/>
           </a:p>
@@ -2688,7 +3498,7 @@
                   <a:srgbClr val="808080"/>
                 </a:solidFill>
               </a:rPr>
-              <a:t>opposition, resistance, antagonism, hostility, objection, dissent | reverse, opposite, inverse, contrary...</a:t>
+              <a:t>to go against, to oppose, to disobey, to defy...</a:t>
             </a:r>
             <a:endParaRPr lang="en-US" sz="3600" dirty="0"/>
           </a:p>
@@ -2724,7 +3534,7 @@
                   <a:srgbClr val="808080"/>
                 </a:solidFill>
               </a:rPr>
-              <a:t>65-66</a:t>
+              <a:t>63-64</a:t>
             </a:r>
             <a:endParaRPr lang="en-US" sz="2400" dirty="0"/>
           </a:p>
@@ -2785,7 +3595,7 @@
                   <a:srgbClr val="000000"/>
                 </a:solidFill>
               </a:rPr>
-              <a:t>論文</a:t>
+              <a:t>逆</a:t>
             </a:r>
             <a:endParaRPr lang="en-US" sz="4800" dirty="0"/>
           </a:p>
@@ -2833,7 +3643,7 @@
                   <a:srgbClr val="404040"/>
                 </a:solidFill>
               </a:rPr>
-              <a:t>ろんぶん</a:t>
+              <a:t>ぎゃく</a:t>
             </a:r>
             <a:endParaRPr lang="en-US" sz="3600" dirty="0"/>
           </a:p>
@@ -2869,7 +3679,7 @@
                   <a:srgbClr val="808080"/>
                 </a:solidFill>
               </a:rPr>
-              <a:t>thesis, essay, treatise, paper, article...</a:t>
+              <a:t>reverse, opposite | converse (of a hypothesis, etc.) | inverse (function)...</a:t>
             </a:r>
             <a:endParaRPr lang="en-US" sz="3600" dirty="0"/>
           </a:p>
@@ -2905,7 +3715,7 @@
                   <a:srgbClr val="808080"/>
                 </a:solidFill>
               </a:rPr>
-              <a:t>65-66</a:t>
+              <a:t>63-64</a:t>
             </a:r>
             <a:endParaRPr lang="en-US" sz="2400" dirty="0"/>
           </a:p>
@@ -2966,7 +3776,7 @@
                   <a:srgbClr val="000000"/>
                 </a:solidFill>
               </a:rPr>
-              <a:t>否定</a:t>
+              <a:t>お互い</a:t>
             </a:r>
             <a:endParaRPr lang="en-US" sz="4800" dirty="0"/>
           </a:p>
@@ -3014,7 +3824,7 @@
                   <a:srgbClr val="404040"/>
                 </a:solidFill>
               </a:rPr>
-              <a:t>ひてい</a:t>
+              <a:t>おたがい</a:t>
             </a:r>
             <a:endParaRPr lang="en-US" sz="3600" dirty="0"/>
           </a:p>
@@ -3050,7 +3860,7 @@
                   <a:srgbClr val="808080"/>
                 </a:solidFill>
               </a:rPr>
-              <a:t>denial, negation, repudiation, disavowal | negation | NOT operation...</a:t>
+              <a:t>each other, one another...</a:t>
             </a:r>
             <a:endParaRPr lang="en-US" sz="3600" dirty="0"/>
           </a:p>
@@ -3086,7 +3896,7 @@
                   <a:srgbClr val="808080"/>
                 </a:solidFill>
               </a:rPr>
-              <a:t>65-66</a:t>
+              <a:t>63-64</a:t>
             </a:r>
             <a:endParaRPr lang="en-US" sz="2400" dirty="0"/>
           </a:p>
@@ -3147,7 +3957,7 @@
                   <a:srgbClr val="000000"/>
                 </a:solidFill>
               </a:rPr>
-              <a:t>野菜</a:t>
+              <a:t>相互</a:t>
             </a:r>
             <a:endParaRPr lang="en-US" sz="4800" dirty="0"/>
           </a:p>
@@ -3195,7 +4005,7 @@
                   <a:srgbClr val="404040"/>
                 </a:solidFill>
               </a:rPr>
-              <a:t>やさい</a:t>
+              <a:t>そうご</a:t>
             </a:r>
             <a:endParaRPr lang="en-US" sz="3600" dirty="0"/>
           </a:p>
@@ -3231,7 +4041,7 @@
                   <a:srgbClr val="808080"/>
                 </a:solidFill>
               </a:rPr>
-              <a:t>vegetable...</a:t>
+              <a:t>mutual, reciprocal...</a:t>
             </a:r>
             <a:endParaRPr lang="en-US" sz="3600" dirty="0"/>
           </a:p>
@@ -3267,7 +4077,7 @@
                   <a:srgbClr val="808080"/>
                 </a:solidFill>
               </a:rPr>
-              <a:t>65-66</a:t>
+              <a:t>63-64</a:t>
             </a:r>
             <a:endParaRPr lang="en-US" sz="2400" dirty="0"/>
           </a:p>
@@ -3328,7 +4138,7 @@
                   <a:srgbClr val="000000"/>
                 </a:solidFill>
               </a:rPr>
-              <a:t>穀物</a:t>
+              <a:t>伸びる</a:t>
             </a:r>
             <a:endParaRPr lang="en-US" sz="4800" dirty="0"/>
           </a:p>
@@ -3376,7 +4186,7 @@
                   <a:srgbClr val="404040"/>
                 </a:solidFill>
               </a:rPr>
-              <a:t>こくもつ</a:t>
+              <a:t>のびる</a:t>
             </a:r>
             <a:endParaRPr lang="en-US" sz="3600" dirty="0"/>
           </a:p>
@@ -3412,7 +4222,7 @@
                   <a:srgbClr val="808080"/>
                 </a:solidFill>
               </a:rPr>
-              <a:t>grain, cereal, corn...</a:t>
+              <a:t>to stretch, to extend, to lengthen, to grow (of hair, height, grass, etc.) | to straighten out, to be flattened, to becom...</a:t>
             </a:r>
             <a:endParaRPr lang="en-US" sz="3600" dirty="0"/>
           </a:p>
@@ -3448,7 +4258,7 @@
                   <a:srgbClr val="808080"/>
                 </a:solidFill>
               </a:rPr>
-              <a:t>65-66</a:t>
+              <a:t>63-64</a:t>
             </a:r>
             <a:endParaRPr lang="en-US" sz="2400" dirty="0"/>
           </a:p>
